--- a/presentation.pptx
+++ b/presentation.pptx
@@ -4,9 +4,20 @@
   <p:sldMasterIdLst>
     <p:sldMasterId id="2147483648" r:id="rId1"/>
   </p:sldMasterIdLst>
+  <p:notesMasterIdLst>
+    <p:notesMasterId r:id="rId12"/>
+  </p:notesMasterIdLst>
   <p:sldIdLst>
-    <p:sldId id="257" r:id="rId2"/>
-    <p:sldId id="256" r:id="rId3"/>
+    <p:sldId id="267" r:id="rId2"/>
+    <p:sldId id="263" r:id="rId3"/>
+    <p:sldId id="257" r:id="rId4"/>
+    <p:sldId id="266" r:id="rId5"/>
+    <p:sldId id="260" r:id="rId6"/>
+    <p:sldId id="259" r:id="rId7"/>
+    <p:sldId id="261" r:id="rId8"/>
+    <p:sldId id="264" r:id="rId9"/>
+    <p:sldId id="258" r:id="rId10"/>
+    <p:sldId id="262" r:id="rId11"/>
   </p:sldIdLst>
   <p:sldSz cx="12192000" cy="6858000"/>
   <p:notesSz cx="6858000" cy="9144000"/>
@@ -113,6 +124,440 @@
 </p:presentation>
 </file>
 
+<file path=ppt/notesMasters/notesMaster1.xml><?xml version="1.0" encoding="utf-8"?>
+<p:notesMaster xmlns:a="http://schemas.openxmlformats.org/drawingml/2006/main" xmlns:r="http://schemas.openxmlformats.org/officeDocument/2006/relationships" xmlns:p="http://schemas.openxmlformats.org/presentationml/2006/main">
+  <p:cSld>
+    <p:bg>
+      <p:bgRef idx="1001">
+        <a:schemeClr val="bg1"/>
+      </p:bgRef>
+    </p:bg>
+    <p:spTree>
+      <p:nvGrpSpPr>
+        <p:cNvPr id="1" name=""/>
+        <p:cNvGrpSpPr/>
+        <p:nvPr/>
+      </p:nvGrpSpPr>
+      <p:grpSpPr>
+        <a:xfrm>
+          <a:off x="0" y="0"/>
+          <a:ext cx="0" cy="0"/>
+          <a:chOff x="0" y="0"/>
+          <a:chExt cx="0" cy="0"/>
+        </a:xfrm>
+      </p:grpSpPr>
+      <p:sp>
+        <p:nvSpPr>
+          <p:cNvPr id="2" name="页眉占位符 1"/>
+          <p:cNvSpPr>
+            <a:spLocks noGrp="1"/>
+          </p:cNvSpPr>
+          <p:nvPr>
+            <p:ph type="hdr" sz="quarter"/>
+          </p:nvPr>
+        </p:nvSpPr>
+        <p:spPr>
+          <a:xfrm>
+            <a:off x="0" y="0"/>
+            <a:ext cx="2971800" cy="458788"/>
+          </a:xfrm>
+          <a:prstGeom prst="rect">
+            <a:avLst/>
+          </a:prstGeom>
+        </p:spPr>
+        <p:txBody>
+          <a:bodyPr vert="horz" lIns="91440" tIns="45720" rIns="91440" bIns="45720" rtlCol="0"/>
+          <a:lstStyle>
+            <a:lvl1pPr algn="l">
+              <a:defRPr sz="1200"/>
+            </a:lvl1pPr>
+          </a:lstStyle>
+          <a:p>
+            <a:endParaRPr lang="en-US"/>
+          </a:p>
+        </p:txBody>
+      </p:sp>
+      <p:sp>
+        <p:nvSpPr>
+          <p:cNvPr id="3" name="日期占位符 2"/>
+          <p:cNvSpPr>
+            <a:spLocks noGrp="1"/>
+          </p:cNvSpPr>
+          <p:nvPr>
+            <p:ph type="dt" idx="1"/>
+          </p:nvPr>
+        </p:nvSpPr>
+        <p:spPr>
+          <a:xfrm>
+            <a:off x="3884613" y="0"/>
+            <a:ext cx="2971800" cy="458788"/>
+          </a:xfrm>
+          <a:prstGeom prst="rect">
+            <a:avLst/>
+          </a:prstGeom>
+        </p:spPr>
+        <p:txBody>
+          <a:bodyPr vert="horz" lIns="91440" tIns="45720" rIns="91440" bIns="45720" rtlCol="0"/>
+          <a:lstStyle>
+            <a:lvl1pPr algn="r">
+              <a:defRPr sz="1200"/>
+            </a:lvl1pPr>
+          </a:lstStyle>
+          <a:p>
+            <a:fld id="{E87DD0D4-4B58-43F9-88F1-4B05608EF6BE}" type="datetimeFigureOut">
+              <a:rPr lang="en-US" smtClean="0"/>
+              <a:t>2018-05-16</a:t>
+            </a:fld>
+            <a:endParaRPr lang="en-US"/>
+          </a:p>
+        </p:txBody>
+      </p:sp>
+      <p:sp>
+        <p:nvSpPr>
+          <p:cNvPr id="4" name="幻灯片图像占位符 3"/>
+          <p:cNvSpPr>
+            <a:spLocks noGrp="1" noRot="1" noChangeAspect="1"/>
+          </p:cNvSpPr>
+          <p:nvPr>
+            <p:ph type="sldImg" idx="2"/>
+          </p:nvPr>
+        </p:nvSpPr>
+        <p:spPr>
+          <a:xfrm>
+            <a:off x="685800" y="1143000"/>
+            <a:ext cx="5486400" cy="3086100"/>
+          </a:xfrm>
+          <a:prstGeom prst="rect">
+            <a:avLst/>
+          </a:prstGeom>
+          <a:noFill/>
+          <a:ln w="12700">
+            <a:solidFill>
+              <a:prstClr val="black"/>
+            </a:solidFill>
+          </a:ln>
+        </p:spPr>
+        <p:txBody>
+          <a:bodyPr vert="horz" lIns="91440" tIns="45720" rIns="91440" bIns="45720" rtlCol="0" anchor="ctr"/>
+          <a:lstStyle/>
+          <a:p>
+            <a:endParaRPr lang="en-US"/>
+          </a:p>
+        </p:txBody>
+      </p:sp>
+      <p:sp>
+        <p:nvSpPr>
+          <p:cNvPr id="5" name="备注占位符 4"/>
+          <p:cNvSpPr>
+            <a:spLocks noGrp="1"/>
+          </p:cNvSpPr>
+          <p:nvPr>
+            <p:ph type="body" sz="quarter" idx="3"/>
+          </p:nvPr>
+        </p:nvSpPr>
+        <p:spPr>
+          <a:xfrm>
+            <a:off x="685800" y="4400550"/>
+            <a:ext cx="5486400" cy="3600450"/>
+          </a:xfrm>
+          <a:prstGeom prst="rect">
+            <a:avLst/>
+          </a:prstGeom>
+        </p:spPr>
+        <p:txBody>
+          <a:bodyPr vert="horz" lIns="91440" tIns="45720" rIns="91440" bIns="45720" rtlCol="0"/>
+          <a:lstStyle/>
+          <a:p>
+            <a:pPr lvl="0"/>
+            <a:r>
+              <a:rPr lang="zh-CN" altLang="en-US"/>
+              <a:t>编辑母版文本样式</a:t>
+            </a:r>
+          </a:p>
+          <a:p>
+            <a:pPr lvl="1"/>
+            <a:r>
+              <a:rPr lang="zh-CN" altLang="en-US"/>
+              <a:t>第二级</a:t>
+            </a:r>
+          </a:p>
+          <a:p>
+            <a:pPr lvl="2"/>
+            <a:r>
+              <a:rPr lang="zh-CN" altLang="en-US"/>
+              <a:t>第三级</a:t>
+            </a:r>
+          </a:p>
+          <a:p>
+            <a:pPr lvl="3"/>
+            <a:r>
+              <a:rPr lang="zh-CN" altLang="en-US"/>
+              <a:t>第四级</a:t>
+            </a:r>
+          </a:p>
+          <a:p>
+            <a:pPr lvl="4"/>
+            <a:r>
+              <a:rPr lang="zh-CN" altLang="en-US"/>
+              <a:t>第五级</a:t>
+            </a:r>
+            <a:endParaRPr lang="en-US"/>
+          </a:p>
+        </p:txBody>
+      </p:sp>
+      <p:sp>
+        <p:nvSpPr>
+          <p:cNvPr id="6" name="页脚占位符 5"/>
+          <p:cNvSpPr>
+            <a:spLocks noGrp="1"/>
+          </p:cNvSpPr>
+          <p:nvPr>
+            <p:ph type="ftr" sz="quarter" idx="4"/>
+          </p:nvPr>
+        </p:nvSpPr>
+        <p:spPr>
+          <a:xfrm>
+            <a:off x="0" y="8685213"/>
+            <a:ext cx="2971800" cy="458787"/>
+          </a:xfrm>
+          <a:prstGeom prst="rect">
+            <a:avLst/>
+          </a:prstGeom>
+        </p:spPr>
+        <p:txBody>
+          <a:bodyPr vert="horz" lIns="91440" tIns="45720" rIns="91440" bIns="45720" rtlCol="0" anchor="b"/>
+          <a:lstStyle>
+            <a:lvl1pPr algn="l">
+              <a:defRPr sz="1200"/>
+            </a:lvl1pPr>
+          </a:lstStyle>
+          <a:p>
+            <a:endParaRPr lang="en-US"/>
+          </a:p>
+        </p:txBody>
+      </p:sp>
+      <p:sp>
+        <p:nvSpPr>
+          <p:cNvPr id="7" name="灯片编号占位符 6"/>
+          <p:cNvSpPr>
+            <a:spLocks noGrp="1"/>
+          </p:cNvSpPr>
+          <p:nvPr>
+            <p:ph type="sldNum" sz="quarter" idx="5"/>
+          </p:nvPr>
+        </p:nvSpPr>
+        <p:spPr>
+          <a:xfrm>
+            <a:off x="3884613" y="8685213"/>
+            <a:ext cx="2971800" cy="458787"/>
+          </a:xfrm>
+          <a:prstGeom prst="rect">
+            <a:avLst/>
+          </a:prstGeom>
+        </p:spPr>
+        <p:txBody>
+          <a:bodyPr vert="horz" lIns="91440" tIns="45720" rIns="91440" bIns="45720" rtlCol="0" anchor="b"/>
+          <a:lstStyle>
+            <a:lvl1pPr algn="r">
+              <a:defRPr sz="1200"/>
+            </a:lvl1pPr>
+          </a:lstStyle>
+          <a:p>
+            <a:fld id="{CBB94583-23EA-4A99-870F-6E48CE1FDFFA}" type="slidenum">
+              <a:rPr lang="en-US" smtClean="0"/>
+              <a:t>‹#›</a:t>
+            </a:fld>
+            <a:endParaRPr lang="en-US"/>
+          </a:p>
+        </p:txBody>
+      </p:sp>
+    </p:spTree>
+    <p:extLst>
+      <p:ext uri="{BB962C8B-B14F-4D97-AF65-F5344CB8AC3E}">
+        <p14:creationId xmlns:p14="http://schemas.microsoft.com/office/powerpoint/2010/main" val="4068514524"/>
+      </p:ext>
+    </p:extLst>
+  </p:cSld>
+  <p:clrMap bg1="lt1" tx1="dk1" bg2="lt2" tx2="dk2" accent1="accent1" accent2="accent2" accent3="accent3" accent4="accent4" accent5="accent5" accent6="accent6" hlink="hlink" folHlink="folHlink"/>
+  <p:notesStyle>
+    <a:lvl1pPr marL="0" algn="l" defTabSz="914400" rtl="0" eaLnBrk="1" latinLnBrk="0" hangingPunct="1">
+      <a:defRPr sz="1200" kern="1200">
+        <a:solidFill>
+          <a:schemeClr val="tx1"/>
+        </a:solidFill>
+        <a:latin typeface="+mn-lt"/>
+        <a:ea typeface="+mn-ea"/>
+        <a:cs typeface="+mn-cs"/>
+      </a:defRPr>
+    </a:lvl1pPr>
+    <a:lvl2pPr marL="457200" algn="l" defTabSz="914400" rtl="0" eaLnBrk="1" latinLnBrk="0" hangingPunct="1">
+      <a:defRPr sz="1200" kern="1200">
+        <a:solidFill>
+          <a:schemeClr val="tx1"/>
+        </a:solidFill>
+        <a:latin typeface="+mn-lt"/>
+        <a:ea typeface="+mn-ea"/>
+        <a:cs typeface="+mn-cs"/>
+      </a:defRPr>
+    </a:lvl2pPr>
+    <a:lvl3pPr marL="914400" algn="l" defTabSz="914400" rtl="0" eaLnBrk="1" latinLnBrk="0" hangingPunct="1">
+      <a:defRPr sz="1200" kern="1200">
+        <a:solidFill>
+          <a:schemeClr val="tx1"/>
+        </a:solidFill>
+        <a:latin typeface="+mn-lt"/>
+        <a:ea typeface="+mn-ea"/>
+        <a:cs typeface="+mn-cs"/>
+      </a:defRPr>
+    </a:lvl3pPr>
+    <a:lvl4pPr marL="1371600" algn="l" defTabSz="914400" rtl="0" eaLnBrk="1" latinLnBrk="0" hangingPunct="1">
+      <a:defRPr sz="1200" kern="1200">
+        <a:solidFill>
+          <a:schemeClr val="tx1"/>
+        </a:solidFill>
+        <a:latin typeface="+mn-lt"/>
+        <a:ea typeface="+mn-ea"/>
+        <a:cs typeface="+mn-cs"/>
+      </a:defRPr>
+    </a:lvl4pPr>
+    <a:lvl5pPr marL="1828800" algn="l" defTabSz="914400" rtl="0" eaLnBrk="1" latinLnBrk="0" hangingPunct="1">
+      <a:defRPr sz="1200" kern="1200">
+        <a:solidFill>
+          <a:schemeClr val="tx1"/>
+        </a:solidFill>
+        <a:latin typeface="+mn-lt"/>
+        <a:ea typeface="+mn-ea"/>
+        <a:cs typeface="+mn-cs"/>
+      </a:defRPr>
+    </a:lvl5pPr>
+    <a:lvl6pPr marL="2286000" algn="l" defTabSz="914400" rtl="0" eaLnBrk="1" latinLnBrk="0" hangingPunct="1">
+      <a:defRPr sz="1200" kern="1200">
+        <a:solidFill>
+          <a:schemeClr val="tx1"/>
+        </a:solidFill>
+        <a:latin typeface="+mn-lt"/>
+        <a:ea typeface="+mn-ea"/>
+        <a:cs typeface="+mn-cs"/>
+      </a:defRPr>
+    </a:lvl6pPr>
+    <a:lvl7pPr marL="2743200" algn="l" defTabSz="914400" rtl="0" eaLnBrk="1" latinLnBrk="0" hangingPunct="1">
+      <a:defRPr sz="1200" kern="1200">
+        <a:solidFill>
+          <a:schemeClr val="tx1"/>
+        </a:solidFill>
+        <a:latin typeface="+mn-lt"/>
+        <a:ea typeface="+mn-ea"/>
+        <a:cs typeface="+mn-cs"/>
+      </a:defRPr>
+    </a:lvl7pPr>
+    <a:lvl8pPr marL="3200400" algn="l" defTabSz="914400" rtl="0" eaLnBrk="1" latinLnBrk="0" hangingPunct="1">
+      <a:defRPr sz="1200" kern="1200">
+        <a:solidFill>
+          <a:schemeClr val="tx1"/>
+        </a:solidFill>
+        <a:latin typeface="+mn-lt"/>
+        <a:ea typeface="+mn-ea"/>
+        <a:cs typeface="+mn-cs"/>
+      </a:defRPr>
+    </a:lvl8pPr>
+    <a:lvl9pPr marL="3657600" algn="l" defTabSz="914400" rtl="0" eaLnBrk="1" latinLnBrk="0" hangingPunct="1">
+      <a:defRPr sz="1200" kern="1200">
+        <a:solidFill>
+          <a:schemeClr val="tx1"/>
+        </a:solidFill>
+        <a:latin typeface="+mn-lt"/>
+        <a:ea typeface="+mn-ea"/>
+        <a:cs typeface="+mn-cs"/>
+      </a:defRPr>
+    </a:lvl9pPr>
+  </p:notesStyle>
+</p:notesMaster>
+</file>
+
+<file path=ppt/notesSlides/notesSlide1.xml><?xml version="1.0" encoding="utf-8"?>
+<p:notes xmlns:a="http://schemas.openxmlformats.org/drawingml/2006/main" xmlns:r="http://schemas.openxmlformats.org/officeDocument/2006/relationships" xmlns:p="http://schemas.openxmlformats.org/presentationml/2006/main">
+  <p:cSld>
+    <p:spTree>
+      <p:nvGrpSpPr>
+        <p:cNvPr id="1" name=""/>
+        <p:cNvGrpSpPr/>
+        <p:nvPr/>
+      </p:nvGrpSpPr>
+      <p:grpSpPr>
+        <a:xfrm>
+          <a:off x="0" y="0"/>
+          <a:ext cx="0" cy="0"/>
+          <a:chOff x="0" y="0"/>
+          <a:chExt cx="0" cy="0"/>
+        </a:xfrm>
+      </p:grpSpPr>
+      <p:sp>
+        <p:nvSpPr>
+          <p:cNvPr id="2" name="幻灯片图像占位符 1"/>
+          <p:cNvSpPr>
+            <a:spLocks noGrp="1" noRot="1" noChangeAspect="1"/>
+          </p:cNvSpPr>
+          <p:nvPr>
+            <p:ph type="sldImg"/>
+          </p:nvPr>
+        </p:nvSpPr>
+        <p:spPr/>
+      </p:sp>
+      <p:sp>
+        <p:nvSpPr>
+          <p:cNvPr id="3" name="备注占位符 2"/>
+          <p:cNvSpPr>
+            <a:spLocks noGrp="1"/>
+          </p:cNvSpPr>
+          <p:nvPr>
+            <p:ph type="body" idx="1"/>
+          </p:nvPr>
+        </p:nvSpPr>
+        <p:spPr/>
+        <p:txBody>
+          <a:bodyPr/>
+          <a:lstStyle/>
+          <a:p>
+            <a:endParaRPr lang="en-US" dirty="0"/>
+          </a:p>
+        </p:txBody>
+      </p:sp>
+      <p:sp>
+        <p:nvSpPr>
+          <p:cNvPr id="4" name="灯片编号占位符 3"/>
+          <p:cNvSpPr>
+            <a:spLocks noGrp="1"/>
+          </p:cNvSpPr>
+          <p:nvPr>
+            <p:ph type="sldNum" sz="quarter" idx="10"/>
+          </p:nvPr>
+        </p:nvSpPr>
+        <p:spPr/>
+        <p:txBody>
+          <a:bodyPr/>
+          <a:lstStyle/>
+          <a:p>
+            <a:fld id="{CBB94583-23EA-4A99-870F-6E48CE1FDFFA}" type="slidenum">
+              <a:rPr lang="en-US" smtClean="0"/>
+              <a:t>9</a:t>
+            </a:fld>
+            <a:endParaRPr lang="en-US"/>
+          </a:p>
+        </p:txBody>
+      </p:sp>
+    </p:spTree>
+    <p:extLst>
+      <p:ext uri="{BB962C8B-B14F-4D97-AF65-F5344CB8AC3E}">
+        <p14:creationId xmlns:p14="http://schemas.microsoft.com/office/powerpoint/2010/main" val="1964147062"/>
+      </p:ext>
+    </p:extLst>
+  </p:cSld>
+  <p:clrMapOvr>
+    <a:masterClrMapping/>
+  </p:clrMapOvr>
+</p:notes>
+</file>
+
 <file path=ppt/slideLayouts/slideLayout1.xml><?xml version="1.0" encoding="utf-8"?>
 <p:sldLayout xmlns:a="http://schemas.openxmlformats.org/drawingml/2006/main" xmlns:r="http://schemas.openxmlformats.org/officeDocument/2006/relationships" xmlns:p="http://schemas.openxmlformats.org/presentationml/2006/main" type="title" preserve="1">
   <p:cSld name="标题幻灯片">
@@ -244,7 +689,7 @@
           <a:p>
             <a:fld id="{A1AF2E72-EFB0-4B42-989F-BAFEB302D5BD}" type="datetimeFigureOut">
               <a:rPr lang="en-US" smtClean="0"/>
-              <a:t>2018-05-14</a:t>
+              <a:t>2018-05-16</a:t>
             </a:fld>
             <a:endParaRPr lang="en-US"/>
           </a:p>
@@ -414,7 +859,7 @@
           <a:p>
             <a:fld id="{A1AF2E72-EFB0-4B42-989F-BAFEB302D5BD}" type="datetimeFigureOut">
               <a:rPr lang="en-US" smtClean="0"/>
-              <a:t>2018-05-14</a:t>
+              <a:t>2018-05-16</a:t>
             </a:fld>
             <a:endParaRPr lang="en-US"/>
           </a:p>
@@ -594,7 +1039,7 @@
           <a:p>
             <a:fld id="{A1AF2E72-EFB0-4B42-989F-BAFEB302D5BD}" type="datetimeFigureOut">
               <a:rPr lang="en-US" smtClean="0"/>
-              <a:t>2018-05-14</a:t>
+              <a:t>2018-05-16</a:t>
             </a:fld>
             <a:endParaRPr lang="en-US"/>
           </a:p>
@@ -764,7 +1209,7 @@
           <a:p>
             <a:fld id="{A1AF2E72-EFB0-4B42-989F-BAFEB302D5BD}" type="datetimeFigureOut">
               <a:rPr lang="en-US" smtClean="0"/>
-              <a:t>2018-05-14</a:t>
+              <a:t>2018-05-16</a:t>
             </a:fld>
             <a:endParaRPr lang="en-US"/>
           </a:p>
@@ -1010,7 +1455,7 @@
           <a:p>
             <a:fld id="{A1AF2E72-EFB0-4B42-989F-BAFEB302D5BD}" type="datetimeFigureOut">
               <a:rPr lang="en-US" smtClean="0"/>
-              <a:t>2018-05-14</a:t>
+              <a:t>2018-05-16</a:t>
             </a:fld>
             <a:endParaRPr lang="en-US"/>
           </a:p>
@@ -1242,7 +1687,7 @@
           <a:p>
             <a:fld id="{A1AF2E72-EFB0-4B42-989F-BAFEB302D5BD}" type="datetimeFigureOut">
               <a:rPr lang="en-US" smtClean="0"/>
-              <a:t>2018-05-14</a:t>
+              <a:t>2018-05-16</a:t>
             </a:fld>
             <a:endParaRPr lang="en-US"/>
           </a:p>
@@ -1609,7 +2054,7 @@
           <a:p>
             <a:fld id="{A1AF2E72-EFB0-4B42-989F-BAFEB302D5BD}" type="datetimeFigureOut">
               <a:rPr lang="en-US" smtClean="0"/>
-              <a:t>2018-05-14</a:t>
+              <a:t>2018-05-16</a:t>
             </a:fld>
             <a:endParaRPr lang="en-US"/>
           </a:p>
@@ -1727,7 +2172,7 @@
           <a:p>
             <a:fld id="{A1AF2E72-EFB0-4B42-989F-BAFEB302D5BD}" type="datetimeFigureOut">
               <a:rPr lang="en-US" smtClean="0"/>
-              <a:t>2018-05-14</a:t>
+              <a:t>2018-05-16</a:t>
             </a:fld>
             <a:endParaRPr lang="en-US"/>
           </a:p>
@@ -1822,7 +2267,7 @@
           <a:p>
             <a:fld id="{A1AF2E72-EFB0-4B42-989F-BAFEB302D5BD}" type="datetimeFigureOut">
               <a:rPr lang="en-US" smtClean="0"/>
-              <a:t>2018-05-14</a:t>
+              <a:t>2018-05-16</a:t>
             </a:fld>
             <a:endParaRPr lang="en-US"/>
           </a:p>
@@ -2099,7 +2544,7 @@
           <a:p>
             <a:fld id="{A1AF2E72-EFB0-4B42-989F-BAFEB302D5BD}" type="datetimeFigureOut">
               <a:rPr lang="en-US" smtClean="0"/>
-              <a:t>2018-05-14</a:t>
+              <a:t>2018-05-16</a:t>
             </a:fld>
             <a:endParaRPr lang="en-US"/>
           </a:p>
@@ -2352,7 +2797,7 @@
           <a:p>
             <a:fld id="{A1AF2E72-EFB0-4B42-989F-BAFEB302D5BD}" type="datetimeFigureOut">
               <a:rPr lang="en-US" smtClean="0"/>
-              <a:t>2018-05-14</a:t>
+              <a:t>2018-05-16</a:t>
             </a:fld>
             <a:endParaRPr lang="en-US"/>
           </a:p>
@@ -2565,7 +3010,7 @@
           <a:p>
             <a:fld id="{A1AF2E72-EFB0-4B42-989F-BAFEB302D5BD}" type="datetimeFigureOut">
               <a:rPr lang="en-US" smtClean="0"/>
-              <a:t>2018-05-14</a:t>
+              <a:t>2018-05-16</a:t>
             </a:fld>
             <a:endParaRPr lang="en-US"/>
           </a:p>
@@ -2972,6 +3417,1189 @@
       </p:grpSpPr>
       <p:pic>
         <p:nvPicPr>
+          <p:cNvPr id="3074" name="Picture 2" descr="âbeersâçå¾çæç´¢ç»æ"/>
+          <p:cNvPicPr>
+            <a:picLocks noChangeAspect="1" noChangeArrowheads="1"/>
+          </p:cNvPicPr>
+          <p:nvPr/>
+        </p:nvPicPr>
+        <p:blipFill>
+          <a:blip r:embed="rId2">
+            <a:extLst>
+              <a:ext uri="{28A0092B-C50C-407E-A947-70E740481C1C}">
+                <a14:useLocalDpi xmlns:a14="http://schemas.microsoft.com/office/drawing/2010/main" val="0"/>
+              </a:ext>
+            </a:extLst>
+          </a:blip>
+          <a:srcRect/>
+          <a:stretch>
+            <a:fillRect/>
+          </a:stretch>
+        </p:blipFill>
+        <p:spPr bwMode="auto">
+          <a:xfrm>
+            <a:off x="0" y="-404734"/>
+            <a:ext cx="12192000" cy="8200571"/>
+          </a:xfrm>
+          <a:prstGeom prst="rect">
+            <a:avLst/>
+          </a:prstGeom>
+          <a:noFill/>
+          <a:extLst>
+            <a:ext uri="{909E8E84-426E-40DD-AFC4-6F175D3DCCD1}">
+              <a14:hiddenFill xmlns:a14="http://schemas.microsoft.com/office/drawing/2010/main">
+                <a:solidFill>
+                  <a:srgbClr val="FFFFFF"/>
+                </a:solidFill>
+              </a14:hiddenFill>
+            </a:ext>
+          </a:extLst>
+        </p:spPr>
+      </p:pic>
+      <p:sp>
+        <p:nvSpPr>
+          <p:cNvPr id="7" name="矩形 6"/>
+          <p:cNvSpPr/>
+          <p:nvPr/>
+        </p:nvSpPr>
+        <p:spPr>
+          <a:xfrm>
+            <a:off x="0" y="-201250"/>
+            <a:ext cx="12192000" cy="7997087"/>
+          </a:xfrm>
+          <a:prstGeom prst="rect">
+            <a:avLst/>
+          </a:prstGeom>
+          <a:solidFill>
+            <a:schemeClr val="bg1">
+              <a:lumMod val="75000"/>
+              <a:alpha val="50000"/>
+            </a:schemeClr>
+          </a:solidFill>
+          <a:ln>
+            <a:noFill/>
+          </a:ln>
+        </p:spPr>
+        <p:style>
+          <a:lnRef idx="2">
+            <a:schemeClr val="accent1">
+              <a:shade val="50000"/>
+            </a:schemeClr>
+          </a:lnRef>
+          <a:fillRef idx="1">
+            <a:schemeClr val="accent1"/>
+          </a:fillRef>
+          <a:effectRef idx="0">
+            <a:schemeClr val="accent1"/>
+          </a:effectRef>
+          <a:fontRef idx="minor">
+            <a:schemeClr val="lt1"/>
+          </a:fontRef>
+        </p:style>
+        <p:txBody>
+          <a:bodyPr rtlCol="0" anchor="ctr"/>
+          <a:lstStyle/>
+          <a:p>
+            <a:pPr algn="ctr"/>
+            <a:endParaRPr lang="en-US"/>
+          </a:p>
+        </p:txBody>
+      </p:sp>
+      <p:sp>
+        <p:nvSpPr>
+          <p:cNvPr id="4" name="矩形 3"/>
+          <p:cNvSpPr/>
+          <p:nvPr/>
+        </p:nvSpPr>
+        <p:spPr>
+          <a:xfrm>
+            <a:off x="0" y="1528997"/>
+            <a:ext cx="12192000" cy="3222885"/>
+          </a:xfrm>
+          <a:prstGeom prst="rect">
+            <a:avLst/>
+          </a:prstGeom>
+          <a:solidFill>
+            <a:schemeClr val="accent6">
+              <a:lumMod val="75000"/>
+              <a:alpha val="81000"/>
+            </a:schemeClr>
+          </a:solidFill>
+          <a:ln>
+            <a:noFill/>
+          </a:ln>
+        </p:spPr>
+        <p:style>
+          <a:lnRef idx="2">
+            <a:schemeClr val="accent1">
+              <a:shade val="50000"/>
+            </a:schemeClr>
+          </a:lnRef>
+          <a:fillRef idx="1">
+            <a:schemeClr val="accent1"/>
+          </a:fillRef>
+          <a:effectRef idx="0">
+            <a:schemeClr val="accent1"/>
+          </a:effectRef>
+          <a:fontRef idx="minor">
+            <a:schemeClr val="lt1"/>
+          </a:fontRef>
+        </p:style>
+        <p:txBody>
+          <a:bodyPr rtlCol="0" anchor="ctr"/>
+          <a:lstStyle/>
+          <a:p>
+            <a:pPr algn="ctr"/>
+            <a:endParaRPr lang="en-US"/>
+          </a:p>
+        </p:txBody>
+      </p:sp>
+      <p:sp>
+        <p:nvSpPr>
+          <p:cNvPr id="5" name="文本框 4"/>
+          <p:cNvSpPr txBox="1"/>
+          <p:nvPr/>
+        </p:nvSpPr>
+        <p:spPr>
+          <a:xfrm>
+            <a:off x="0" y="1933736"/>
+            <a:ext cx="12192000" cy="2585323"/>
+          </a:xfrm>
+          <a:prstGeom prst="rect">
+            <a:avLst/>
+          </a:prstGeom>
+          <a:noFill/>
+        </p:spPr>
+        <p:txBody>
+          <a:bodyPr wrap="square" rtlCol="0">
+            <a:spAutoFit/>
+          </a:bodyPr>
+          <a:lstStyle/>
+          <a:p>
+            <a:pPr algn="ctr"/>
+            <a:r>
+              <a:rPr lang="en-US" altLang="zh-CN" sz="6000" b="1" dirty="0">
+                <a:solidFill>
+                  <a:schemeClr val="bg1"/>
+                </a:solidFill>
+              </a:rPr>
+              <a:t>Data Incubator Finalist Presentation</a:t>
+            </a:r>
+          </a:p>
+          <a:p>
+            <a:pPr algn="ctr">
+              <a:lnSpc>
+                <a:spcPct val="150000"/>
+              </a:lnSpc>
+            </a:pPr>
+            <a:r>
+              <a:rPr lang="en-US" altLang="zh-CN" sz="3600" b="1" dirty="0">
+                <a:solidFill>
+                  <a:schemeClr val="bg1"/>
+                </a:solidFill>
+              </a:rPr>
+              <a:t>Yue JIN</a:t>
+            </a:r>
+          </a:p>
+          <a:p>
+            <a:pPr algn="ctr"/>
+            <a:endParaRPr lang="en-US" altLang="zh-CN" sz="2400" b="1" dirty="0">
+              <a:solidFill>
+                <a:schemeClr val="bg1"/>
+              </a:solidFill>
+            </a:endParaRPr>
+          </a:p>
+          <a:p>
+            <a:pPr algn="ctr"/>
+            <a:r>
+              <a:rPr lang="en-US" altLang="zh-CN" sz="2400" b="1" dirty="0">
+                <a:solidFill>
+                  <a:schemeClr val="bg1"/>
+                </a:solidFill>
+              </a:rPr>
+              <a:t>16 May 2018</a:t>
+            </a:r>
+          </a:p>
+        </p:txBody>
+      </p:sp>
+    </p:spTree>
+    <p:extLst>
+      <p:ext uri="{BB962C8B-B14F-4D97-AF65-F5344CB8AC3E}">
+        <p14:creationId xmlns:p14="http://schemas.microsoft.com/office/powerpoint/2010/main" val="1464430279"/>
+      </p:ext>
+    </p:extLst>
+  </p:cSld>
+  <p:clrMapOvr>
+    <a:masterClrMapping/>
+  </p:clrMapOvr>
+</p:sld>
+</file>
+
+<file path=ppt/slides/slide10.xml><?xml version="1.0" encoding="utf-8"?>
+<p:sld xmlns:a="http://schemas.openxmlformats.org/drawingml/2006/main" xmlns:r="http://schemas.openxmlformats.org/officeDocument/2006/relationships" xmlns:p="http://schemas.openxmlformats.org/presentationml/2006/main">
+  <p:cSld>
+    <p:spTree>
+      <p:nvGrpSpPr>
+        <p:cNvPr id="1" name=""/>
+        <p:cNvGrpSpPr/>
+        <p:nvPr/>
+      </p:nvGrpSpPr>
+      <p:grpSpPr>
+        <a:xfrm>
+          <a:off x="0" y="0"/>
+          <a:ext cx="0" cy="0"/>
+          <a:chOff x="0" y="0"/>
+          <a:chExt cx="0" cy="0"/>
+        </a:xfrm>
+      </p:grpSpPr>
+      <p:sp>
+        <p:nvSpPr>
+          <p:cNvPr id="4" name="箭头: 五边形 3"/>
+          <p:cNvSpPr/>
+          <p:nvPr/>
+        </p:nvSpPr>
+        <p:spPr>
+          <a:xfrm>
+            <a:off x="380861" y="2293495"/>
+            <a:ext cx="5246556" cy="599603"/>
+          </a:xfrm>
+          <a:prstGeom prst="homePlate">
+            <a:avLst/>
+          </a:prstGeom>
+          <a:solidFill>
+            <a:schemeClr val="accent6"/>
+          </a:solidFill>
+          <a:ln>
+            <a:noFill/>
+          </a:ln>
+        </p:spPr>
+        <p:style>
+          <a:lnRef idx="2">
+            <a:schemeClr val="accent1">
+              <a:shade val="50000"/>
+            </a:schemeClr>
+          </a:lnRef>
+          <a:fillRef idx="1">
+            <a:schemeClr val="accent1"/>
+          </a:fillRef>
+          <a:effectRef idx="0">
+            <a:schemeClr val="accent1"/>
+          </a:effectRef>
+          <a:fontRef idx="minor">
+            <a:schemeClr val="lt1"/>
+          </a:fontRef>
+        </p:style>
+        <p:txBody>
+          <a:bodyPr rtlCol="0" anchor="ctr"/>
+          <a:lstStyle/>
+          <a:p>
+            <a:pPr algn="ctr"/>
+            <a:r>
+              <a:rPr lang="en-US" altLang="zh-CN" sz="2200" b="1" dirty="0"/>
+              <a:t>Phase One:</a:t>
+            </a:r>
+            <a:r>
+              <a:rPr lang="zh-CN" altLang="en-US" sz="2200" b="1" dirty="0"/>
+              <a:t> </a:t>
+            </a:r>
+            <a:r>
+              <a:rPr lang="en-US" altLang="zh-CN" sz="2200" b="1" dirty="0"/>
+              <a:t>19</a:t>
+            </a:r>
+            <a:r>
+              <a:rPr lang="en-US" altLang="zh-CN" sz="2200" b="1" baseline="30000" dirty="0"/>
+              <a:t>th</a:t>
+            </a:r>
+            <a:r>
+              <a:rPr lang="en-US" altLang="zh-CN" sz="2200" b="1" dirty="0"/>
+              <a:t> April ~ 31</a:t>
+            </a:r>
+            <a:r>
+              <a:rPr lang="en-US" altLang="zh-CN" sz="2200" b="1" baseline="30000" dirty="0"/>
+              <a:t>st</a:t>
+            </a:r>
+            <a:r>
+              <a:rPr lang="en-US" altLang="zh-CN" sz="2200" b="1" dirty="0"/>
+              <a:t> May</a:t>
+            </a:r>
+            <a:r>
+              <a:rPr lang="zh-CN" altLang="en-US" sz="2200" b="1" dirty="0"/>
+              <a:t> </a:t>
+            </a:r>
+            <a:endParaRPr lang="en-US" sz="2200" b="1" dirty="0"/>
+          </a:p>
+        </p:txBody>
+      </p:sp>
+      <p:sp>
+        <p:nvSpPr>
+          <p:cNvPr id="5" name="文本框 4"/>
+          <p:cNvSpPr txBox="1"/>
+          <p:nvPr/>
+        </p:nvSpPr>
+        <p:spPr>
+          <a:xfrm>
+            <a:off x="534581" y="189668"/>
+            <a:ext cx="10872937" cy="707886"/>
+          </a:xfrm>
+          <a:prstGeom prst="rect">
+            <a:avLst/>
+          </a:prstGeom>
+          <a:noFill/>
+        </p:spPr>
+        <p:txBody>
+          <a:bodyPr wrap="square" rtlCol="0">
+            <a:spAutoFit/>
+          </a:bodyPr>
+          <a:lstStyle/>
+          <a:p>
+            <a:r>
+              <a:rPr lang="en-US" altLang="zh-CN" sz="4000" b="1" dirty="0">
+                <a:solidFill>
+                  <a:schemeClr val="accent6">
+                    <a:lumMod val="75000"/>
+                  </a:schemeClr>
+                </a:solidFill>
+              </a:rPr>
+              <a:t>Project Timeline</a:t>
+            </a:r>
+            <a:endParaRPr lang="en-US" sz="2800" b="1" dirty="0">
+              <a:solidFill>
+                <a:schemeClr val="accent6">
+                  <a:lumMod val="75000"/>
+                </a:schemeClr>
+              </a:solidFill>
+            </a:endParaRPr>
+          </a:p>
+        </p:txBody>
+      </p:sp>
+      <p:sp>
+        <p:nvSpPr>
+          <p:cNvPr id="7" name="箭头: V 形 6"/>
+          <p:cNvSpPr/>
+          <p:nvPr/>
+        </p:nvSpPr>
+        <p:spPr>
+          <a:xfrm>
+            <a:off x="5751157" y="2293494"/>
+            <a:ext cx="6220951" cy="599603"/>
+          </a:xfrm>
+          <a:prstGeom prst="chevron">
+            <a:avLst/>
+          </a:prstGeom>
+          <a:solidFill>
+            <a:schemeClr val="bg1">
+              <a:lumMod val="50000"/>
+            </a:schemeClr>
+          </a:solidFill>
+          <a:ln>
+            <a:noFill/>
+          </a:ln>
+        </p:spPr>
+        <p:style>
+          <a:lnRef idx="2">
+            <a:schemeClr val="accent1">
+              <a:shade val="50000"/>
+            </a:schemeClr>
+          </a:lnRef>
+          <a:fillRef idx="1">
+            <a:schemeClr val="accent1"/>
+          </a:fillRef>
+          <a:effectRef idx="0">
+            <a:schemeClr val="accent1"/>
+          </a:effectRef>
+          <a:fontRef idx="minor">
+            <a:schemeClr val="lt1"/>
+          </a:fontRef>
+        </p:style>
+        <p:txBody>
+          <a:bodyPr rot="0" spcFirstLastPara="0" vertOverflow="overflow" horzOverflow="overflow" vert="horz" wrap="square" lIns="91440" tIns="45720" rIns="91440" bIns="45720" numCol="1" spcCol="0" rtlCol="0" fromWordArt="0" anchor="ctr" anchorCtr="0" forceAA="0" compatLnSpc="1">
+            <a:prstTxWarp prst="textNoShape">
+              <a:avLst/>
+            </a:prstTxWarp>
+            <a:noAutofit/>
+          </a:bodyPr>
+          <a:lstStyle/>
+          <a:p>
+            <a:pPr algn="ctr"/>
+            <a:r>
+              <a:rPr lang="en-US" sz="2200" b="1" dirty="0"/>
+              <a:t>Phase Two: 1st June ~ 10th August </a:t>
+            </a:r>
+          </a:p>
+        </p:txBody>
+      </p:sp>
+      <p:sp>
+        <p:nvSpPr>
+          <p:cNvPr id="8" name="矩形 7"/>
+          <p:cNvSpPr/>
+          <p:nvPr/>
+        </p:nvSpPr>
+        <p:spPr>
+          <a:xfrm>
+            <a:off x="403279" y="3256314"/>
+            <a:ext cx="1504081" cy="989351"/>
+          </a:xfrm>
+          <a:prstGeom prst="rect">
+            <a:avLst/>
+          </a:prstGeom>
+          <a:noFill/>
+          <a:ln>
+            <a:solidFill>
+              <a:schemeClr val="tx1"/>
+            </a:solidFill>
+          </a:ln>
+        </p:spPr>
+        <p:style>
+          <a:lnRef idx="2">
+            <a:schemeClr val="accent1">
+              <a:shade val="50000"/>
+            </a:schemeClr>
+          </a:lnRef>
+          <a:fillRef idx="1">
+            <a:schemeClr val="accent1"/>
+          </a:fillRef>
+          <a:effectRef idx="0">
+            <a:schemeClr val="accent1"/>
+          </a:effectRef>
+          <a:fontRef idx="minor">
+            <a:schemeClr val="lt1"/>
+          </a:fontRef>
+        </p:style>
+        <p:txBody>
+          <a:bodyPr rtlCol="0" anchor="ctr"/>
+          <a:lstStyle/>
+          <a:p>
+            <a:pPr algn="ctr"/>
+            <a:r>
+              <a:rPr lang="en-US" sz="2000" dirty="0">
+                <a:solidFill>
+                  <a:schemeClr val="tx1"/>
+                </a:solidFill>
+              </a:rPr>
+              <a:t>Data </a:t>
+            </a:r>
+          </a:p>
+          <a:p>
+            <a:pPr algn="ctr"/>
+            <a:r>
+              <a:rPr lang="en-US" sz="2000" dirty="0">
+                <a:solidFill>
+                  <a:schemeClr val="tx1"/>
+                </a:solidFill>
+              </a:rPr>
+              <a:t>Scraping</a:t>
+            </a:r>
+          </a:p>
+        </p:txBody>
+      </p:sp>
+      <p:sp>
+        <p:nvSpPr>
+          <p:cNvPr id="9" name="矩形 8"/>
+          <p:cNvSpPr/>
+          <p:nvPr/>
+        </p:nvSpPr>
+        <p:spPr>
+          <a:xfrm>
+            <a:off x="2114656" y="3256312"/>
+            <a:ext cx="1504081" cy="989351"/>
+          </a:xfrm>
+          <a:prstGeom prst="rect">
+            <a:avLst/>
+          </a:prstGeom>
+          <a:noFill/>
+          <a:ln>
+            <a:solidFill>
+              <a:schemeClr val="tx1"/>
+            </a:solidFill>
+          </a:ln>
+        </p:spPr>
+        <p:style>
+          <a:lnRef idx="2">
+            <a:schemeClr val="accent1">
+              <a:shade val="50000"/>
+            </a:schemeClr>
+          </a:lnRef>
+          <a:fillRef idx="1">
+            <a:schemeClr val="accent1"/>
+          </a:fillRef>
+          <a:effectRef idx="0">
+            <a:schemeClr val="accent1"/>
+          </a:effectRef>
+          <a:fontRef idx="minor">
+            <a:schemeClr val="lt1"/>
+          </a:fontRef>
+        </p:style>
+        <p:txBody>
+          <a:bodyPr rtlCol="0" anchor="ctr"/>
+          <a:lstStyle/>
+          <a:p>
+            <a:pPr algn="ctr"/>
+            <a:r>
+              <a:rPr lang="en-US" sz="2000" dirty="0">
+                <a:solidFill>
+                  <a:schemeClr val="tx1"/>
+                </a:solidFill>
+              </a:rPr>
+              <a:t>Data </a:t>
+            </a:r>
+          </a:p>
+          <a:p>
+            <a:pPr algn="ctr"/>
+            <a:r>
+              <a:rPr lang="en-US" sz="2000" dirty="0">
+                <a:solidFill>
+                  <a:schemeClr val="tx1"/>
+                </a:solidFill>
+              </a:rPr>
+              <a:t>Cleaning</a:t>
+            </a:r>
+          </a:p>
+        </p:txBody>
+      </p:sp>
+      <p:sp>
+        <p:nvSpPr>
+          <p:cNvPr id="10" name="矩形 9"/>
+          <p:cNvSpPr/>
+          <p:nvPr/>
+        </p:nvSpPr>
+        <p:spPr>
+          <a:xfrm>
+            <a:off x="3826033" y="3256312"/>
+            <a:ext cx="1504081" cy="989351"/>
+          </a:xfrm>
+          <a:prstGeom prst="rect">
+            <a:avLst/>
+          </a:prstGeom>
+          <a:noFill/>
+          <a:ln>
+            <a:solidFill>
+              <a:schemeClr val="tx1"/>
+            </a:solidFill>
+          </a:ln>
+        </p:spPr>
+        <p:style>
+          <a:lnRef idx="2">
+            <a:schemeClr val="accent1">
+              <a:shade val="50000"/>
+            </a:schemeClr>
+          </a:lnRef>
+          <a:fillRef idx="1">
+            <a:schemeClr val="accent1"/>
+          </a:fillRef>
+          <a:effectRef idx="0">
+            <a:schemeClr val="accent1"/>
+          </a:effectRef>
+          <a:fontRef idx="minor">
+            <a:schemeClr val="lt1"/>
+          </a:fontRef>
+        </p:style>
+        <p:txBody>
+          <a:bodyPr rtlCol="0" anchor="ctr"/>
+          <a:lstStyle/>
+          <a:p>
+            <a:pPr algn="ctr"/>
+            <a:r>
+              <a:rPr lang="en-US" sz="2000" dirty="0">
+                <a:solidFill>
+                  <a:schemeClr val="tx1"/>
+                </a:solidFill>
+              </a:rPr>
+              <a:t>Exploratory Data Analysis</a:t>
+            </a:r>
+          </a:p>
+        </p:txBody>
+      </p:sp>
+      <p:sp>
+        <p:nvSpPr>
+          <p:cNvPr id="11" name="矩形 10"/>
+          <p:cNvSpPr/>
+          <p:nvPr/>
+        </p:nvSpPr>
+        <p:spPr>
+          <a:xfrm>
+            <a:off x="6118312" y="3256312"/>
+            <a:ext cx="1508760" cy="989351"/>
+          </a:xfrm>
+          <a:prstGeom prst="rect">
+            <a:avLst/>
+          </a:prstGeom>
+          <a:noFill/>
+          <a:ln>
+            <a:solidFill>
+              <a:schemeClr val="tx1"/>
+            </a:solidFill>
+          </a:ln>
+        </p:spPr>
+        <p:style>
+          <a:lnRef idx="2">
+            <a:schemeClr val="accent1">
+              <a:shade val="50000"/>
+            </a:schemeClr>
+          </a:lnRef>
+          <a:fillRef idx="1">
+            <a:schemeClr val="accent1"/>
+          </a:fillRef>
+          <a:effectRef idx="0">
+            <a:schemeClr val="accent1"/>
+          </a:effectRef>
+          <a:fontRef idx="minor">
+            <a:schemeClr val="lt1"/>
+          </a:fontRef>
+        </p:style>
+        <p:txBody>
+          <a:bodyPr rtlCol="0" anchor="ctr"/>
+          <a:lstStyle/>
+          <a:p>
+            <a:pPr algn="ctr"/>
+            <a:r>
+              <a:rPr lang="en-US" sz="2000" dirty="0">
+                <a:solidFill>
+                  <a:schemeClr val="tx1"/>
+                </a:solidFill>
+              </a:rPr>
+              <a:t>Model Selection </a:t>
+            </a:r>
+          </a:p>
+          <a:p>
+            <a:pPr algn="ctr"/>
+            <a:r>
+              <a:rPr lang="en-US" sz="2000" dirty="0">
+                <a:solidFill>
+                  <a:schemeClr val="tx1"/>
+                </a:solidFill>
+              </a:rPr>
+              <a:t>&amp; Training</a:t>
+            </a:r>
+          </a:p>
+        </p:txBody>
+      </p:sp>
+      <p:sp>
+        <p:nvSpPr>
+          <p:cNvPr id="12" name="矩形 11"/>
+          <p:cNvSpPr/>
+          <p:nvPr/>
+        </p:nvSpPr>
+        <p:spPr>
+          <a:xfrm>
+            <a:off x="7960191" y="3256312"/>
+            <a:ext cx="1504081" cy="989351"/>
+          </a:xfrm>
+          <a:prstGeom prst="rect">
+            <a:avLst/>
+          </a:prstGeom>
+          <a:noFill/>
+          <a:ln>
+            <a:solidFill>
+              <a:schemeClr val="tx1"/>
+            </a:solidFill>
+          </a:ln>
+        </p:spPr>
+        <p:style>
+          <a:lnRef idx="2">
+            <a:schemeClr val="accent1">
+              <a:shade val="50000"/>
+            </a:schemeClr>
+          </a:lnRef>
+          <a:fillRef idx="1">
+            <a:schemeClr val="accent1"/>
+          </a:fillRef>
+          <a:effectRef idx="0">
+            <a:schemeClr val="accent1"/>
+          </a:effectRef>
+          <a:fontRef idx="minor">
+            <a:schemeClr val="lt1"/>
+          </a:fontRef>
+        </p:style>
+        <p:txBody>
+          <a:bodyPr rtlCol="0" anchor="ctr"/>
+          <a:lstStyle/>
+          <a:p>
+            <a:pPr algn="ctr"/>
+            <a:r>
+              <a:rPr lang="en-US" sz="2000" dirty="0">
+                <a:solidFill>
+                  <a:schemeClr val="tx1"/>
+                </a:solidFill>
+              </a:rPr>
+              <a:t>Function Testing</a:t>
+            </a:r>
+          </a:p>
+        </p:txBody>
+      </p:sp>
+      <p:sp>
+        <p:nvSpPr>
+          <p:cNvPr id="14" name="矩形 13"/>
+          <p:cNvSpPr/>
+          <p:nvPr/>
+        </p:nvSpPr>
+        <p:spPr>
+          <a:xfrm>
+            <a:off x="6118312" y="4706098"/>
+            <a:ext cx="3345960" cy="694731"/>
+          </a:xfrm>
+          <a:prstGeom prst="rect">
+            <a:avLst/>
+          </a:prstGeom>
+          <a:noFill/>
+          <a:ln>
+            <a:solidFill>
+              <a:schemeClr val="tx1"/>
+            </a:solidFill>
+          </a:ln>
+        </p:spPr>
+        <p:style>
+          <a:lnRef idx="2">
+            <a:schemeClr val="accent1">
+              <a:shade val="50000"/>
+            </a:schemeClr>
+          </a:lnRef>
+          <a:fillRef idx="1">
+            <a:schemeClr val="accent1"/>
+          </a:fillRef>
+          <a:effectRef idx="0">
+            <a:schemeClr val="accent1"/>
+          </a:effectRef>
+          <a:fontRef idx="minor">
+            <a:schemeClr val="lt1"/>
+          </a:fontRef>
+        </p:style>
+        <p:txBody>
+          <a:bodyPr rtlCol="0" anchor="ctr"/>
+          <a:lstStyle/>
+          <a:p>
+            <a:pPr algn="ctr"/>
+            <a:r>
+              <a:rPr lang="en-US" sz="2000" dirty="0">
+                <a:solidFill>
+                  <a:schemeClr val="tx1"/>
+                </a:solidFill>
+              </a:rPr>
+              <a:t>Interface Design</a:t>
+            </a:r>
+          </a:p>
+        </p:txBody>
+      </p:sp>
+      <p:pic>
+        <p:nvPicPr>
+          <p:cNvPr id="2050" name="Picture 2" descr="âcheers icon pngâçå¾çæç´¢ç»æ"/>
+          <p:cNvPicPr>
+            <a:picLocks noChangeAspect="1" noChangeArrowheads="1"/>
+          </p:cNvPicPr>
+          <p:nvPr/>
+        </p:nvPicPr>
+        <p:blipFill>
+          <a:blip r:embed="rId2">
+            <a:extLst>
+              <a:ext uri="{28A0092B-C50C-407E-A947-70E740481C1C}">
+                <a14:useLocalDpi xmlns:a14="http://schemas.microsoft.com/office/drawing/2010/main" val="0"/>
+              </a:ext>
+            </a:extLst>
+          </a:blip>
+          <a:srcRect/>
+          <a:stretch>
+            <a:fillRect/>
+          </a:stretch>
+        </p:blipFill>
+        <p:spPr bwMode="auto">
+          <a:xfrm>
+            <a:off x="9797391" y="3001153"/>
+            <a:ext cx="1905000" cy="1905000"/>
+          </a:xfrm>
+          <a:prstGeom prst="rect">
+            <a:avLst/>
+          </a:prstGeom>
+          <a:noFill/>
+          <a:extLst>
+            <a:ext uri="{909E8E84-426E-40DD-AFC4-6F175D3DCCD1}">
+              <a14:hiddenFill xmlns:a14="http://schemas.microsoft.com/office/drawing/2010/main">
+                <a:solidFill>
+                  <a:srgbClr val="FFFFFF"/>
+                </a:solidFill>
+              </a14:hiddenFill>
+            </a:ext>
+          </a:extLst>
+        </p:spPr>
+      </p:pic>
+      <p:sp>
+        <p:nvSpPr>
+          <p:cNvPr id="15" name="文本框 14"/>
+          <p:cNvSpPr txBox="1"/>
+          <p:nvPr/>
+        </p:nvSpPr>
+        <p:spPr>
+          <a:xfrm>
+            <a:off x="9852998" y="4706098"/>
+            <a:ext cx="1793786" cy="400110"/>
+          </a:xfrm>
+          <a:prstGeom prst="rect">
+            <a:avLst/>
+          </a:prstGeom>
+          <a:noFill/>
+        </p:spPr>
+        <p:txBody>
+          <a:bodyPr wrap="square" rtlCol="0">
+            <a:spAutoFit/>
+          </a:bodyPr>
+          <a:lstStyle/>
+          <a:p>
+            <a:r>
+              <a:rPr lang="en-US" sz="2000" b="1" dirty="0"/>
+              <a:t>…And Cheers!</a:t>
+            </a:r>
+          </a:p>
+        </p:txBody>
+      </p:sp>
+      <p:cxnSp>
+        <p:nvCxnSpPr>
+          <p:cNvPr id="17" name="直接箭头连接符 16"/>
+          <p:cNvCxnSpPr>
+            <a:stCxn id="8" idx="3"/>
+            <a:endCxn id="9" idx="1"/>
+          </p:cNvCxnSpPr>
+          <p:nvPr/>
+        </p:nvCxnSpPr>
+        <p:spPr>
+          <a:xfrm flipV="1">
+            <a:off x="1907360" y="3750988"/>
+            <a:ext cx="207296" cy="2"/>
+          </a:xfrm>
+          <a:prstGeom prst="straightConnector1">
+            <a:avLst/>
+          </a:prstGeom>
+          <a:ln>
+            <a:solidFill>
+              <a:schemeClr val="tx1"/>
+            </a:solidFill>
+            <a:tailEnd type="triangle"/>
+          </a:ln>
+        </p:spPr>
+        <p:style>
+          <a:lnRef idx="1">
+            <a:schemeClr val="accent1"/>
+          </a:lnRef>
+          <a:fillRef idx="0">
+            <a:schemeClr val="accent1"/>
+          </a:fillRef>
+          <a:effectRef idx="0">
+            <a:schemeClr val="accent1"/>
+          </a:effectRef>
+          <a:fontRef idx="minor">
+            <a:schemeClr val="tx1"/>
+          </a:fontRef>
+        </p:style>
+      </p:cxnSp>
+      <p:cxnSp>
+        <p:nvCxnSpPr>
+          <p:cNvPr id="19" name="直接箭头连接符 18"/>
+          <p:cNvCxnSpPr>
+            <a:cxnSpLocks/>
+            <a:stCxn id="9" idx="3"/>
+            <a:endCxn id="10" idx="1"/>
+          </p:cNvCxnSpPr>
+          <p:nvPr/>
+        </p:nvCxnSpPr>
+        <p:spPr>
+          <a:xfrm>
+            <a:off x="3618737" y="3750988"/>
+            <a:ext cx="207296" cy="0"/>
+          </a:xfrm>
+          <a:prstGeom prst="straightConnector1">
+            <a:avLst/>
+          </a:prstGeom>
+          <a:ln>
+            <a:solidFill>
+              <a:schemeClr val="tx1"/>
+            </a:solidFill>
+            <a:tailEnd type="triangle"/>
+          </a:ln>
+        </p:spPr>
+        <p:style>
+          <a:lnRef idx="1">
+            <a:schemeClr val="accent1"/>
+          </a:lnRef>
+          <a:fillRef idx="0">
+            <a:schemeClr val="accent1"/>
+          </a:fillRef>
+          <a:effectRef idx="0">
+            <a:schemeClr val="accent1"/>
+          </a:effectRef>
+          <a:fontRef idx="minor">
+            <a:schemeClr val="tx1"/>
+          </a:fontRef>
+        </p:style>
+      </p:cxnSp>
+      <p:cxnSp>
+        <p:nvCxnSpPr>
+          <p:cNvPr id="22" name="直接箭头连接符 21"/>
+          <p:cNvCxnSpPr>
+            <a:cxnSpLocks/>
+            <a:stCxn id="10" idx="3"/>
+            <a:endCxn id="11" idx="1"/>
+          </p:cNvCxnSpPr>
+          <p:nvPr/>
+        </p:nvCxnSpPr>
+        <p:spPr>
+          <a:xfrm>
+            <a:off x="5330114" y="3750988"/>
+            <a:ext cx="788198" cy="0"/>
+          </a:xfrm>
+          <a:prstGeom prst="straightConnector1">
+            <a:avLst/>
+          </a:prstGeom>
+          <a:ln>
+            <a:solidFill>
+              <a:schemeClr val="tx1"/>
+            </a:solidFill>
+            <a:tailEnd type="triangle"/>
+          </a:ln>
+        </p:spPr>
+        <p:style>
+          <a:lnRef idx="1">
+            <a:schemeClr val="accent1"/>
+          </a:lnRef>
+          <a:fillRef idx="0">
+            <a:schemeClr val="accent1"/>
+          </a:fillRef>
+          <a:effectRef idx="0">
+            <a:schemeClr val="accent1"/>
+          </a:effectRef>
+          <a:fontRef idx="minor">
+            <a:schemeClr val="tx1"/>
+          </a:fontRef>
+        </p:style>
+      </p:cxnSp>
+      <p:cxnSp>
+        <p:nvCxnSpPr>
+          <p:cNvPr id="26" name="连接符: 曲线 25"/>
+          <p:cNvCxnSpPr>
+            <a:stCxn id="11" idx="0"/>
+            <a:endCxn id="12" idx="0"/>
+          </p:cNvCxnSpPr>
+          <p:nvPr/>
+        </p:nvCxnSpPr>
+        <p:spPr>
+          <a:xfrm rot="5400000" flipH="1" flipV="1">
+            <a:off x="7792462" y="2336542"/>
+            <a:ext cx="12700" cy="1839540"/>
+          </a:xfrm>
+          <a:prstGeom prst="curvedConnector3">
+            <a:avLst>
+              <a:gd name="adj1" fmla="val 1800000"/>
+            </a:avLst>
+          </a:prstGeom>
+          <a:ln w="12700">
+            <a:solidFill>
+              <a:schemeClr val="tx1"/>
+            </a:solidFill>
+            <a:tailEnd type="triangle"/>
+          </a:ln>
+        </p:spPr>
+        <p:style>
+          <a:lnRef idx="1">
+            <a:schemeClr val="accent1"/>
+          </a:lnRef>
+          <a:fillRef idx="0">
+            <a:schemeClr val="accent1"/>
+          </a:fillRef>
+          <a:effectRef idx="0">
+            <a:schemeClr val="accent1"/>
+          </a:effectRef>
+          <a:fontRef idx="minor">
+            <a:schemeClr val="tx1"/>
+          </a:fontRef>
+        </p:style>
+      </p:cxnSp>
+      <p:cxnSp>
+        <p:nvCxnSpPr>
+          <p:cNvPr id="28" name="连接符: 曲线 27"/>
+          <p:cNvCxnSpPr>
+            <a:cxnSpLocks/>
+            <a:stCxn id="12" idx="2"/>
+            <a:endCxn id="11" idx="2"/>
+          </p:cNvCxnSpPr>
+          <p:nvPr/>
+        </p:nvCxnSpPr>
+        <p:spPr>
+          <a:xfrm rot="5400000">
+            <a:off x="7792462" y="3325893"/>
+            <a:ext cx="12700" cy="1839540"/>
+          </a:xfrm>
+          <a:prstGeom prst="curvedConnector3">
+            <a:avLst>
+              <a:gd name="adj1" fmla="val 1800000"/>
+            </a:avLst>
+          </a:prstGeom>
+          <a:ln w="12700">
+            <a:solidFill>
+              <a:schemeClr val="tx1"/>
+            </a:solidFill>
+            <a:tailEnd type="triangle"/>
+          </a:ln>
+        </p:spPr>
+        <p:style>
+          <a:lnRef idx="1">
+            <a:schemeClr val="accent1"/>
+          </a:lnRef>
+          <a:fillRef idx="0">
+            <a:schemeClr val="accent1"/>
+          </a:fillRef>
+          <a:effectRef idx="0">
+            <a:schemeClr val="accent1"/>
+          </a:effectRef>
+          <a:fontRef idx="minor">
+            <a:schemeClr val="tx1"/>
+          </a:fontRef>
+        </p:style>
+      </p:cxnSp>
+      <p:cxnSp>
+        <p:nvCxnSpPr>
+          <p:cNvPr id="31" name="连接符: 肘形 30"/>
+          <p:cNvCxnSpPr>
+            <a:stCxn id="10" idx="3"/>
+            <a:endCxn id="14" idx="1"/>
+          </p:cNvCxnSpPr>
+          <p:nvPr/>
+        </p:nvCxnSpPr>
+        <p:spPr>
+          <a:xfrm>
+            <a:off x="5330114" y="3750988"/>
+            <a:ext cx="788198" cy="1302476"/>
+          </a:xfrm>
+          <a:prstGeom prst="bentConnector3">
+            <a:avLst/>
+          </a:prstGeom>
+          <a:ln>
+            <a:solidFill>
+              <a:schemeClr val="tx1"/>
+            </a:solidFill>
+            <a:tailEnd type="triangle"/>
+          </a:ln>
+        </p:spPr>
+        <p:style>
+          <a:lnRef idx="1">
+            <a:schemeClr val="accent1"/>
+          </a:lnRef>
+          <a:fillRef idx="0">
+            <a:schemeClr val="accent1"/>
+          </a:fillRef>
+          <a:effectRef idx="0">
+            <a:schemeClr val="accent1"/>
+          </a:effectRef>
+          <a:fontRef idx="minor">
+            <a:schemeClr val="tx1"/>
+          </a:fontRef>
+        </p:style>
+      </p:cxnSp>
+    </p:spTree>
+    <p:extLst>
+      <p:ext uri="{BB962C8B-B14F-4D97-AF65-F5344CB8AC3E}">
+        <p14:creationId xmlns:p14="http://schemas.microsoft.com/office/powerpoint/2010/main" val="3047848924"/>
+      </p:ext>
+    </p:extLst>
+  </p:cSld>
+  <p:clrMapOvr>
+    <a:masterClrMapping/>
+  </p:clrMapOvr>
+</p:sld>
+</file>
+
+<file path=ppt/slides/slide2.xml><?xml version="1.0" encoding="utf-8"?>
+<p:sld xmlns:a="http://schemas.openxmlformats.org/drawingml/2006/main" xmlns:r="http://schemas.openxmlformats.org/officeDocument/2006/relationships" xmlns:p="http://schemas.openxmlformats.org/presentationml/2006/main">
+  <p:cSld>
+    <p:bg>
+      <p:bgPr>
+        <a:solidFill>
+          <a:schemeClr val="accent6">
+            <a:lumMod val="75000"/>
+          </a:schemeClr>
+        </a:solidFill>
+        <a:effectLst/>
+      </p:bgPr>
+    </p:bg>
+    <p:spTree>
+      <p:nvGrpSpPr>
+        <p:cNvPr id="1" name=""/>
+        <p:cNvGrpSpPr/>
+        <p:nvPr/>
+      </p:nvGrpSpPr>
+      <p:grpSpPr>
+        <a:xfrm>
+          <a:off x="0" y="0"/>
+          <a:ext cx="0" cy="0"/>
+          <a:chOff x="0" y="0"/>
+          <a:chExt cx="0" cy="0"/>
+        </a:xfrm>
+      </p:grpSpPr>
+      <p:sp>
+        <p:nvSpPr>
+          <p:cNvPr id="4" name="文本框 3"/>
+          <p:cNvSpPr txBox="1"/>
+          <p:nvPr/>
+        </p:nvSpPr>
+        <p:spPr>
+          <a:xfrm>
+            <a:off x="743919" y="2794264"/>
+            <a:ext cx="6136566" cy="1107996"/>
+          </a:xfrm>
+          <a:prstGeom prst="rect">
+            <a:avLst/>
+          </a:prstGeom>
+          <a:noFill/>
+        </p:spPr>
+        <p:txBody>
+          <a:bodyPr wrap="square" rtlCol="0">
+            <a:spAutoFit/>
+          </a:bodyPr>
+          <a:lstStyle/>
+          <a:p>
+            <a:r>
+              <a:rPr lang="en-US" altLang="zh-CN" sz="6600" b="1" dirty="0">
+                <a:solidFill>
+                  <a:schemeClr val="bg1"/>
+                </a:solidFill>
+              </a:rPr>
+              <a:t>About Me</a:t>
+            </a:r>
+            <a:endParaRPr lang="en-US" sz="6600" b="1" dirty="0">
+              <a:solidFill>
+                <a:schemeClr val="bg1"/>
+              </a:solidFill>
+            </a:endParaRPr>
+          </a:p>
+        </p:txBody>
+      </p:sp>
+    </p:spTree>
+    <p:extLst>
+      <p:ext uri="{BB962C8B-B14F-4D97-AF65-F5344CB8AC3E}">
+        <p14:creationId xmlns:p14="http://schemas.microsoft.com/office/powerpoint/2010/main" val="1400812784"/>
+      </p:ext>
+    </p:extLst>
+  </p:cSld>
+  <p:clrMapOvr>
+    <a:masterClrMapping/>
+  </p:clrMapOvr>
+</p:sld>
+</file>
+
+<file path=ppt/slides/slide3.xml><?xml version="1.0" encoding="utf-8"?>
+<p:sld xmlns:a="http://schemas.openxmlformats.org/drawingml/2006/main" xmlns:r="http://schemas.openxmlformats.org/officeDocument/2006/relationships" xmlns:p="http://schemas.openxmlformats.org/presentationml/2006/main">
+  <p:cSld>
+    <p:spTree>
+      <p:nvGrpSpPr>
+        <p:cNvPr id="1" name=""/>
+        <p:cNvGrpSpPr/>
+        <p:nvPr/>
+      </p:nvGrpSpPr>
+      <p:grpSpPr>
+        <a:xfrm>
+          <a:off x="0" y="0"/>
+          <a:ext cx="0" cy="0"/>
+          <a:chOff x="0" y="0"/>
+          <a:chExt cx="0" cy="0"/>
+        </a:xfrm>
+      </p:grpSpPr>
+      <p:pic>
+        <p:nvPicPr>
           <p:cNvPr id="5" name="图片 4"/>
           <p:cNvPicPr>
             <a:picLocks noChangeAspect="1"/>
@@ -3048,7 +4676,7 @@
             </a:pPr>
             <a:r>
               <a:rPr lang="en-US" altLang="zh-CN" dirty="0"/>
-              <a:t>Got Stanford Machine Learning Online Certificate</a:t>
+              <a:t>Obtained Stanford Machine Learning Online Certificate</a:t>
             </a:r>
           </a:p>
         </p:txBody>
@@ -3243,7 +4871,7 @@
           <a:p>
             <a:r>
               <a:rPr lang="en-US" altLang="zh-CN" dirty="0"/>
-              <a:t>Finished </a:t>
+              <a:t>Completed </a:t>
             </a:r>
             <a:r>
               <a:rPr lang="en-US" altLang="zh-CN" dirty="0" err="1"/>
@@ -3796,7 +5424,7 @@
             </a:r>
             <a:r>
               <a:rPr lang="en-US" dirty="0"/>
-              <a:t>ntrovert | </a:t>
+              <a:t>ntroverted | </a:t>
             </a:r>
             <a:r>
               <a:rPr lang="en-US" b="1" dirty="0"/>
@@ -3838,7 +5466,85 @@
 </p:sld>
 </file>
 
-<file path=ppt/slides/slide2.xml><?xml version="1.0" encoding="utf-8"?>
+<file path=ppt/slides/slide4.xml><?xml version="1.0" encoding="utf-8"?>
+<p:sld xmlns:a="http://schemas.openxmlformats.org/drawingml/2006/main" xmlns:r="http://schemas.openxmlformats.org/officeDocument/2006/relationships" xmlns:p="http://schemas.openxmlformats.org/presentationml/2006/main">
+  <p:cSld>
+    <p:bg>
+      <p:bgPr>
+        <a:solidFill>
+          <a:schemeClr val="accent6">
+            <a:lumMod val="75000"/>
+          </a:schemeClr>
+        </a:solidFill>
+        <a:effectLst/>
+      </p:bgPr>
+    </p:bg>
+    <p:spTree>
+      <p:nvGrpSpPr>
+        <p:cNvPr id="1" name=""/>
+        <p:cNvGrpSpPr/>
+        <p:nvPr/>
+      </p:nvGrpSpPr>
+      <p:grpSpPr>
+        <a:xfrm>
+          <a:off x="0" y="0"/>
+          <a:ext cx="0" cy="0"/>
+          <a:chOff x="0" y="0"/>
+          <a:chExt cx="0" cy="0"/>
+        </a:xfrm>
+      </p:grpSpPr>
+      <p:sp>
+        <p:nvSpPr>
+          <p:cNvPr id="4" name="文本框 3"/>
+          <p:cNvSpPr txBox="1"/>
+          <p:nvPr/>
+        </p:nvSpPr>
+        <p:spPr>
+          <a:xfrm>
+            <a:off x="743919" y="2374540"/>
+            <a:ext cx="6136566" cy="2123658"/>
+          </a:xfrm>
+          <a:prstGeom prst="rect">
+            <a:avLst/>
+          </a:prstGeom>
+          <a:noFill/>
+        </p:spPr>
+        <p:txBody>
+          <a:bodyPr wrap="square" rtlCol="0">
+            <a:spAutoFit/>
+          </a:bodyPr>
+          <a:lstStyle/>
+          <a:p>
+            <a:r>
+              <a:rPr lang="en-US" altLang="zh-CN" sz="6600" b="1" dirty="0">
+                <a:solidFill>
+                  <a:schemeClr val="bg1"/>
+                </a:solidFill>
+              </a:rPr>
+              <a:t>Project Introduction</a:t>
+            </a:r>
+            <a:endParaRPr lang="en-US" sz="6600" b="1" dirty="0">
+              <a:solidFill>
+                <a:schemeClr val="bg1"/>
+              </a:solidFill>
+            </a:endParaRPr>
+          </a:p>
+        </p:txBody>
+      </p:sp>
+    </p:spTree>
+    <p:extLst>
+      <p:ext uri="{BB962C8B-B14F-4D97-AF65-F5344CB8AC3E}">
+        <p14:creationId xmlns:p14="http://schemas.microsoft.com/office/powerpoint/2010/main" val="1377605065"/>
+      </p:ext>
+    </p:extLst>
+  </p:cSld>
+  <p:clrMapOvr>
+    <a:masterClrMapping/>
+  </p:clrMapOvr>
+</p:sld>
+</file>
+
+<file path=ppt/slides/slide5.xml><?xml version="1.0" encoding="utf-8"?>
 <p:sld xmlns:a="http://schemas.openxmlformats.org/drawingml/2006/main" xmlns:r="http://schemas.openxmlformats.org/officeDocument/2006/relationships" xmlns:p="http://schemas.openxmlformats.org/presentationml/2006/main">
   <p:cSld>
     <p:spTree>
@@ -3863,7 +5569,7 @@
         </p:nvSpPr>
         <p:spPr>
           <a:xfrm rot="10800000">
-            <a:off x="7449651" y="846123"/>
+            <a:off x="7433659" y="1907958"/>
             <a:ext cx="3554107" cy="604202"/>
           </a:xfrm>
           <a:prstGeom prst="homePlate">
@@ -3912,7 +5618,7 @@
         </p:nvSpPr>
         <p:spPr>
           <a:xfrm>
-            <a:off x="1152584" y="849246"/>
+            <a:off x="1136592" y="1907958"/>
             <a:ext cx="3554107" cy="604202"/>
           </a:xfrm>
           <a:prstGeom prst="homePlate">
@@ -3961,8 +5667,8 @@
         </p:nvSpPr>
         <p:spPr>
           <a:xfrm>
-            <a:off x="7490172" y="5331188"/>
-            <a:ext cx="4512288" cy="848983"/>
+            <a:off x="7474180" y="5221587"/>
+            <a:ext cx="4512288" cy="829130"/>
           </a:xfrm>
           <a:prstGeom prst="rect">
             <a:avLst/>
@@ -4010,7 +5716,7 @@
         </p:nvSpPr>
         <p:spPr>
           <a:xfrm>
-            <a:off x="790413" y="4502058"/>
+            <a:off x="774421" y="5221586"/>
             <a:ext cx="5858359" cy="829130"/>
           </a:xfrm>
           <a:prstGeom prst="rect">
@@ -4059,7 +5765,7 @@
         </p:nvSpPr>
         <p:spPr>
           <a:xfrm>
-            <a:off x="7490172" y="3194990"/>
+            <a:off x="7474180" y="3218630"/>
             <a:ext cx="4512288" cy="848983"/>
           </a:xfrm>
           <a:prstGeom prst="rect">
@@ -4108,7 +5814,7 @@
         </p:nvSpPr>
         <p:spPr>
           <a:xfrm>
-            <a:off x="790414" y="2239543"/>
+            <a:off x="774422" y="3243881"/>
             <a:ext cx="5858359" cy="1446550"/>
           </a:xfrm>
           <a:prstGeom prst="rect">
@@ -4171,8 +5877,8 @@
         </p:blipFill>
         <p:spPr>
           <a:xfrm>
-            <a:off x="10623534" y="452170"/>
-            <a:ext cx="1378926" cy="1378926"/>
+            <a:off x="10650474" y="1592715"/>
+            <a:ext cx="1234688" cy="1234688"/>
           </a:xfrm>
           <a:prstGeom prst="rect">
             <a:avLst/>
@@ -4201,8 +5907,8 @@
         </p:blipFill>
         <p:spPr>
           <a:xfrm>
-            <a:off x="105932" y="428196"/>
-            <a:ext cx="1426876" cy="1426876"/>
+            <a:off x="144359" y="1571248"/>
+            <a:ext cx="1277622" cy="1277622"/>
           </a:xfrm>
           <a:prstGeom prst="rect">
             <a:avLst/>
@@ -4217,7 +5923,7 @@
         </p:nvSpPr>
         <p:spPr>
           <a:xfrm>
-            <a:off x="1152584" y="2239543"/>
+            <a:off x="1136592" y="3243881"/>
             <a:ext cx="5170718" cy="1446550"/>
           </a:xfrm>
           <a:prstGeom prst="rect">
@@ -4260,7 +5966,7 @@
         </p:nvSpPr>
         <p:spPr>
           <a:xfrm>
-            <a:off x="7955116" y="3228038"/>
+            <a:off x="7939124" y="3251678"/>
             <a:ext cx="4047344" cy="769441"/>
           </a:xfrm>
           <a:prstGeom prst="rect">
@@ -4309,7 +6015,7 @@
         </p:nvSpPr>
         <p:spPr>
           <a:xfrm>
-            <a:off x="1456835" y="4502058"/>
+            <a:off x="1440843" y="5221586"/>
             <a:ext cx="4866468" cy="769441"/>
           </a:xfrm>
           <a:prstGeom prst="rect">
@@ -4351,7 +6057,7 @@
         </p:nvSpPr>
         <p:spPr>
           <a:xfrm>
-            <a:off x="7955116" y="5331188"/>
+            <a:off x="7939124" y="5225013"/>
             <a:ext cx="4047344" cy="769441"/>
           </a:xfrm>
           <a:prstGeom prst="rect">
@@ -4393,7 +6099,7 @@
         </p:nvSpPr>
         <p:spPr>
           <a:xfrm>
-            <a:off x="486156" y="1932098"/>
+            <a:off x="470164" y="2936436"/>
             <a:ext cx="666428" cy="666428"/>
           </a:xfrm>
           <a:prstGeom prst="ellipse">
@@ -4442,7 +6148,7 @@
         </p:nvSpPr>
         <p:spPr>
           <a:xfrm>
-            <a:off x="7164701" y="2962818"/>
+            <a:off x="7148709" y="2936436"/>
             <a:ext cx="666428" cy="666428"/>
           </a:xfrm>
           <a:prstGeom prst="ellipse">
@@ -4491,7 +6197,7 @@
         </p:nvSpPr>
         <p:spPr>
           <a:xfrm>
-            <a:off x="486156" y="4220350"/>
+            <a:off x="470164" y="4939878"/>
             <a:ext cx="666428" cy="666428"/>
           </a:xfrm>
           <a:prstGeom prst="ellipse">
@@ -4540,7 +6246,7 @@
         </p:nvSpPr>
         <p:spPr>
           <a:xfrm>
-            <a:off x="7164701" y="5025756"/>
+            <a:off x="7148709" y="4919581"/>
             <a:ext cx="666428" cy="666428"/>
           </a:xfrm>
           <a:prstGeom prst="ellipse">
@@ -4589,7 +6295,7 @@
         </p:nvSpPr>
         <p:spPr>
           <a:xfrm>
-            <a:off x="1813302" y="849246"/>
+            <a:off x="1797310" y="1917672"/>
             <a:ext cx="2438662" cy="584775"/>
           </a:xfrm>
           <a:prstGeom prst="rect">
@@ -4619,7 +6325,7 @@
         </p:nvSpPr>
         <p:spPr>
           <a:xfrm>
-            <a:off x="8123185" y="852643"/>
+            <a:off x="8107193" y="1917672"/>
             <a:ext cx="2320469" cy="584775"/>
           </a:xfrm>
           <a:prstGeom prst="rect">
@@ -4642,10 +6348,1246 @@
           </a:p>
         </p:txBody>
       </p:sp>
+      <p:sp>
+        <p:nvSpPr>
+          <p:cNvPr id="2" name="文本框 1"/>
+          <p:cNvSpPr txBox="1"/>
+          <p:nvPr/>
+        </p:nvSpPr>
+        <p:spPr>
+          <a:xfrm>
+            <a:off x="523880" y="162726"/>
+            <a:ext cx="10872937" cy="1077218"/>
+          </a:xfrm>
+          <a:prstGeom prst="rect">
+            <a:avLst/>
+          </a:prstGeom>
+          <a:noFill/>
+        </p:spPr>
+        <p:txBody>
+          <a:bodyPr wrap="square" rtlCol="0">
+            <a:spAutoFit/>
+          </a:bodyPr>
+          <a:lstStyle/>
+          <a:p>
+            <a:r>
+              <a:rPr lang="en-US" sz="4000" b="1" dirty="0" err="1">
+                <a:solidFill>
+                  <a:schemeClr val="accent6">
+                    <a:lumMod val="75000"/>
+                  </a:schemeClr>
+                </a:solidFill>
+              </a:rPr>
+              <a:t>BeerRadar</a:t>
+            </a:r>
+            <a:r>
+              <a:rPr lang="en-US" sz="3600" b="1" dirty="0">
+                <a:solidFill>
+                  <a:schemeClr val="accent6">
+                    <a:lumMod val="75000"/>
+                  </a:schemeClr>
+                </a:solidFill>
+              </a:rPr>
+              <a:t> </a:t>
+            </a:r>
+          </a:p>
+          <a:p>
+            <a:r>
+              <a:rPr lang="en-US" sz="2400" dirty="0">
+                <a:solidFill>
+                  <a:schemeClr val="accent6">
+                    <a:lumMod val="75000"/>
+                  </a:schemeClr>
+                </a:solidFill>
+              </a:rPr>
+              <a:t>A Beer Recommendation APP for Craft Beer Lovers </a:t>
+            </a:r>
+          </a:p>
+        </p:txBody>
+      </p:sp>
     </p:spTree>
     <p:extLst>
       <p:ext uri="{BB962C8B-B14F-4D97-AF65-F5344CB8AC3E}">
-        <p14:creationId xmlns:p14="http://schemas.microsoft.com/office/powerpoint/2010/main" val="1296288217"/>
+        <p14:creationId xmlns:p14="http://schemas.microsoft.com/office/powerpoint/2010/main" val="2367162915"/>
+      </p:ext>
+    </p:extLst>
+  </p:cSld>
+  <p:clrMapOvr>
+    <a:masterClrMapping/>
+  </p:clrMapOvr>
+</p:sld>
+</file>
+
+<file path=ppt/slides/slide6.xml><?xml version="1.0" encoding="utf-8"?>
+<p:sld xmlns:a="http://schemas.openxmlformats.org/drawingml/2006/main" xmlns:r="http://schemas.openxmlformats.org/officeDocument/2006/relationships" xmlns:p="http://schemas.openxmlformats.org/presentationml/2006/main">
+  <p:cSld>
+    <p:spTree>
+      <p:nvGrpSpPr>
+        <p:cNvPr id="1" name=""/>
+        <p:cNvGrpSpPr/>
+        <p:nvPr/>
+      </p:nvGrpSpPr>
+      <p:grpSpPr>
+        <a:xfrm>
+          <a:off x="0" y="0"/>
+          <a:ext cx="0" cy="0"/>
+          <a:chOff x="0" y="0"/>
+          <a:chExt cx="0" cy="0"/>
+        </a:xfrm>
+      </p:grpSpPr>
+      <p:sp>
+        <p:nvSpPr>
+          <p:cNvPr id="5" name="文本框 4"/>
+          <p:cNvSpPr txBox="1"/>
+          <p:nvPr/>
+        </p:nvSpPr>
+        <p:spPr>
+          <a:xfrm>
+            <a:off x="534581" y="189668"/>
+            <a:ext cx="10872937" cy="707886"/>
+          </a:xfrm>
+          <a:prstGeom prst="rect">
+            <a:avLst/>
+          </a:prstGeom>
+          <a:noFill/>
+        </p:spPr>
+        <p:txBody>
+          <a:bodyPr wrap="square" rtlCol="0">
+            <a:spAutoFit/>
+          </a:bodyPr>
+          <a:lstStyle/>
+          <a:p>
+            <a:r>
+              <a:rPr lang="en-US" sz="4000" b="1" dirty="0">
+                <a:solidFill>
+                  <a:schemeClr val="accent6">
+                    <a:lumMod val="75000"/>
+                  </a:schemeClr>
+                </a:solidFill>
+              </a:rPr>
+              <a:t>Project Motivation</a:t>
+            </a:r>
+            <a:endParaRPr lang="en-US" sz="2800" b="1" dirty="0">
+              <a:solidFill>
+                <a:schemeClr val="accent6">
+                  <a:lumMod val="75000"/>
+                </a:schemeClr>
+              </a:solidFill>
+            </a:endParaRPr>
+          </a:p>
+        </p:txBody>
+      </p:sp>
+      <p:sp>
+        <p:nvSpPr>
+          <p:cNvPr id="6" name="文本框 5"/>
+          <p:cNvSpPr txBox="1"/>
+          <p:nvPr/>
+        </p:nvSpPr>
+        <p:spPr>
+          <a:xfrm>
+            <a:off x="669491" y="1094285"/>
+            <a:ext cx="6945511" cy="1877437"/>
+          </a:xfrm>
+          <a:prstGeom prst="rect">
+            <a:avLst/>
+          </a:prstGeom>
+          <a:noFill/>
+        </p:spPr>
+        <p:txBody>
+          <a:bodyPr wrap="square" rtlCol="0">
+            <a:spAutoFit/>
+          </a:bodyPr>
+          <a:lstStyle/>
+          <a:p>
+            <a:r>
+              <a:rPr lang="en-US" sz="2400" b="1" dirty="0"/>
+              <a:t>A Hobby for Me:</a:t>
+            </a:r>
+          </a:p>
+          <a:p>
+            <a:pPr marL="342900" indent="-342900">
+              <a:lnSpc>
+                <a:spcPct val="150000"/>
+              </a:lnSpc>
+              <a:buFont typeface="Wingdings" panose="05000000000000000000" pitchFamily="2" charset="2"/>
+              <a:buChar char="Ø"/>
+            </a:pPr>
+            <a:r>
+              <a:rPr lang="en-US" sz="2400" dirty="0">
+                <a:solidFill>
+                  <a:srgbClr val="333333"/>
+                </a:solidFill>
+              </a:rPr>
+              <a:t>Personally, I love craft beer</a:t>
+            </a:r>
+          </a:p>
+          <a:p>
+            <a:pPr marL="342900" indent="-342900">
+              <a:buFont typeface="Wingdings" panose="05000000000000000000" pitchFamily="2" charset="2"/>
+              <a:buChar char="Ø"/>
+            </a:pPr>
+            <a:r>
+              <a:rPr lang="en-US" sz="2400" dirty="0">
+                <a:solidFill>
+                  <a:srgbClr val="333333"/>
+                </a:solidFill>
+              </a:rPr>
+              <a:t>From 2016 to Present, I tasted </a:t>
+            </a:r>
+            <a:r>
+              <a:rPr lang="en-US" sz="3200" b="1" dirty="0">
+                <a:solidFill>
+                  <a:srgbClr val="333333"/>
+                </a:solidFill>
+              </a:rPr>
+              <a:t>152</a:t>
+            </a:r>
+            <a:r>
+              <a:rPr lang="en-US" sz="2400" dirty="0">
+                <a:solidFill>
+                  <a:srgbClr val="333333"/>
+                </a:solidFill>
+              </a:rPr>
+              <a:t> different beers</a:t>
+            </a:r>
+          </a:p>
+          <a:p>
+            <a:endParaRPr lang="en-US" sz="2400" dirty="0"/>
+          </a:p>
+        </p:txBody>
+      </p:sp>
+      <p:sp>
+        <p:nvSpPr>
+          <p:cNvPr id="7" name="文本框 6"/>
+          <p:cNvSpPr txBox="1"/>
+          <p:nvPr/>
+        </p:nvSpPr>
+        <p:spPr>
+          <a:xfrm>
+            <a:off x="669491" y="2945198"/>
+            <a:ext cx="10872937" cy="3046988"/>
+          </a:xfrm>
+          <a:prstGeom prst="rect">
+            <a:avLst/>
+          </a:prstGeom>
+          <a:noFill/>
+        </p:spPr>
+        <p:txBody>
+          <a:bodyPr wrap="square" rtlCol="0">
+            <a:spAutoFit/>
+          </a:bodyPr>
+          <a:lstStyle/>
+          <a:p>
+            <a:r>
+              <a:rPr lang="en-US" sz="2400" b="1" dirty="0"/>
+              <a:t>Great Market Potential:</a:t>
+            </a:r>
+          </a:p>
+          <a:p>
+            <a:pPr marL="342900" indent="-342900">
+              <a:lnSpc>
+                <a:spcPct val="150000"/>
+              </a:lnSpc>
+              <a:buFont typeface="Wingdings" panose="05000000000000000000" pitchFamily="2" charset="2"/>
+              <a:buChar char="Ø"/>
+            </a:pPr>
+            <a:r>
+              <a:rPr lang="en-US" sz="2400" b="1" dirty="0">
+                <a:solidFill>
+                  <a:srgbClr val="333333"/>
+                </a:solidFill>
+              </a:rPr>
+              <a:t>Huge user base: </a:t>
+            </a:r>
+            <a:r>
+              <a:rPr lang="en-US" sz="3200" b="1" dirty="0">
+                <a:solidFill>
+                  <a:srgbClr val="333333"/>
+                </a:solidFill>
+              </a:rPr>
+              <a:t>4.71M</a:t>
+            </a:r>
+            <a:r>
+              <a:rPr lang="en-US" sz="2400" dirty="0">
+                <a:solidFill>
+                  <a:srgbClr val="333333"/>
+                </a:solidFill>
+              </a:rPr>
+              <a:t> monthly users of </a:t>
+            </a:r>
+            <a:r>
+              <a:rPr lang="en-US" sz="2400" i="1" dirty="0">
+                <a:solidFill>
+                  <a:srgbClr val="333333"/>
+                </a:solidFill>
+              </a:rPr>
+              <a:t>BeerAdvocate.com</a:t>
+            </a:r>
+            <a:r>
+              <a:rPr lang="en-US" sz="2400" dirty="0">
+                <a:solidFill>
+                  <a:srgbClr val="333333"/>
+                </a:solidFill>
+              </a:rPr>
+              <a:t>, </a:t>
+            </a:r>
+            <a:r>
+              <a:rPr lang="en-US" sz="3200" b="1" dirty="0">
+                <a:solidFill>
+                  <a:srgbClr val="333333"/>
+                </a:solidFill>
+              </a:rPr>
+              <a:t>2.99M</a:t>
+            </a:r>
+            <a:r>
+              <a:rPr lang="en-US" sz="2400" dirty="0">
+                <a:solidFill>
+                  <a:srgbClr val="333333"/>
+                </a:solidFill>
+              </a:rPr>
+              <a:t> monthly users of </a:t>
+            </a:r>
+            <a:r>
+              <a:rPr lang="en-US" sz="2400" i="1" dirty="0">
+                <a:solidFill>
+                  <a:srgbClr val="333333"/>
+                </a:solidFill>
+              </a:rPr>
+              <a:t>Ratebeer.com</a:t>
+            </a:r>
+            <a:r>
+              <a:rPr lang="en-US" sz="2400" dirty="0">
+                <a:solidFill>
+                  <a:srgbClr val="333333"/>
+                </a:solidFill>
+              </a:rPr>
+              <a:t>, </a:t>
+            </a:r>
+            <a:r>
+              <a:rPr lang="en-US" sz="3200" b="1" dirty="0">
+                <a:solidFill>
+                  <a:srgbClr val="333333"/>
+                </a:solidFill>
+              </a:rPr>
+              <a:t>3.07M</a:t>
+            </a:r>
+            <a:r>
+              <a:rPr lang="en-US" sz="2400" dirty="0">
+                <a:solidFill>
+                  <a:srgbClr val="333333"/>
+                </a:solidFill>
+              </a:rPr>
+              <a:t> monthly users of </a:t>
+            </a:r>
+            <a:r>
+              <a:rPr lang="en-US" sz="2400" i="1" dirty="0">
+                <a:solidFill>
+                  <a:srgbClr val="333333"/>
+                </a:solidFill>
+              </a:rPr>
+              <a:t>Untappd.com*</a:t>
+            </a:r>
+          </a:p>
+          <a:p>
+            <a:pPr marL="342900" indent="-342900">
+              <a:lnSpc>
+                <a:spcPct val="150000"/>
+              </a:lnSpc>
+              <a:buFont typeface="Wingdings" panose="05000000000000000000" pitchFamily="2" charset="2"/>
+              <a:buChar char="Ø"/>
+            </a:pPr>
+            <a:r>
+              <a:rPr lang="en-US" sz="2400" b="1" dirty="0">
+                <a:solidFill>
+                  <a:srgbClr val="333333"/>
+                </a:solidFill>
+              </a:rPr>
+              <a:t>Business model succeeded in similar field: </a:t>
+            </a:r>
+            <a:r>
+              <a:rPr lang="en-US" sz="2400" dirty="0">
+                <a:solidFill>
+                  <a:srgbClr val="333333"/>
+                </a:solidFill>
+              </a:rPr>
+              <a:t>Recommendation algorithm + Product merchandise for wine - </a:t>
+            </a:r>
+            <a:r>
+              <a:rPr lang="en-US" sz="2400" dirty="0">
+                <a:solidFill>
+                  <a:srgbClr val="333333"/>
+                </a:solidFill>
+                <a:hlinkClick r:id="rId2"/>
+              </a:rPr>
+              <a:t>BrightCellar</a:t>
+            </a:r>
+            <a:endParaRPr lang="en-US" sz="2400" dirty="0">
+              <a:solidFill>
+                <a:srgbClr val="333333"/>
+              </a:solidFill>
+            </a:endParaRPr>
+          </a:p>
+        </p:txBody>
+      </p:sp>
+      <p:sp>
+        <p:nvSpPr>
+          <p:cNvPr id="8" name="矩形 7"/>
+          <p:cNvSpPr/>
+          <p:nvPr/>
+        </p:nvSpPr>
+        <p:spPr>
+          <a:xfrm>
+            <a:off x="124917" y="6478621"/>
+            <a:ext cx="10293246" cy="523220"/>
+          </a:xfrm>
+          <a:prstGeom prst="rect">
+            <a:avLst/>
+          </a:prstGeom>
+        </p:spPr>
+        <p:txBody>
+          <a:bodyPr wrap="square">
+            <a:spAutoFit/>
+          </a:bodyPr>
+          <a:lstStyle/>
+          <a:p>
+            <a:r>
+              <a:rPr lang="en-US" sz="1400" dirty="0">
+                <a:solidFill>
+                  <a:srgbClr val="333333"/>
+                </a:solidFill>
+                <a:latin typeface="Helvetica Neue"/>
+              </a:rPr>
+              <a:t>*Source: </a:t>
+            </a:r>
+            <a:r>
+              <a:rPr lang="en-US" sz="1400" dirty="0">
+                <a:solidFill>
+                  <a:srgbClr val="333333"/>
+                </a:solidFill>
+                <a:latin typeface="Helvetica Neue"/>
+                <a:hlinkClick r:id="rId3"/>
+              </a:rPr>
+              <a:t>https://craftbeerinsandiego.com/blog/ratebeerisdeadlongliveuntappd</a:t>
+            </a:r>
+            <a:endParaRPr lang="en-US" sz="1400" dirty="0">
+              <a:solidFill>
+                <a:srgbClr val="333333"/>
+              </a:solidFill>
+              <a:latin typeface="Helvetica Neue"/>
+            </a:endParaRPr>
+          </a:p>
+          <a:p>
+            <a:endParaRPr lang="en-US" sz="1400" dirty="0">
+              <a:solidFill>
+                <a:srgbClr val="333333"/>
+              </a:solidFill>
+              <a:latin typeface="Helvetica Neue"/>
+            </a:endParaRPr>
+          </a:p>
+        </p:txBody>
+      </p:sp>
+    </p:spTree>
+    <p:extLst>
+      <p:ext uri="{BB962C8B-B14F-4D97-AF65-F5344CB8AC3E}">
+        <p14:creationId xmlns:p14="http://schemas.microsoft.com/office/powerpoint/2010/main" val="2737697311"/>
+      </p:ext>
+    </p:extLst>
+  </p:cSld>
+  <p:clrMapOvr>
+    <a:masterClrMapping/>
+  </p:clrMapOvr>
+</p:sld>
+</file>
+
+<file path=ppt/slides/slide7.xml><?xml version="1.0" encoding="utf-8"?>
+<p:sld xmlns:a="http://schemas.openxmlformats.org/drawingml/2006/main" xmlns:r="http://schemas.openxmlformats.org/officeDocument/2006/relationships" xmlns:p="http://schemas.openxmlformats.org/presentationml/2006/main">
+  <p:cSld>
+    <p:spTree>
+      <p:nvGrpSpPr>
+        <p:cNvPr id="1" name=""/>
+        <p:cNvGrpSpPr/>
+        <p:nvPr/>
+      </p:nvGrpSpPr>
+      <p:grpSpPr>
+        <a:xfrm>
+          <a:off x="0" y="0"/>
+          <a:ext cx="0" cy="0"/>
+          <a:chOff x="0" y="0"/>
+          <a:chExt cx="0" cy="0"/>
+        </a:xfrm>
+      </p:grpSpPr>
+      <p:sp>
+        <p:nvSpPr>
+          <p:cNvPr id="6" name="文本框 5"/>
+          <p:cNvSpPr txBox="1"/>
+          <p:nvPr/>
+        </p:nvSpPr>
+        <p:spPr>
+          <a:xfrm>
+            <a:off x="534581" y="189668"/>
+            <a:ext cx="10872937" cy="707886"/>
+          </a:xfrm>
+          <a:prstGeom prst="rect">
+            <a:avLst/>
+          </a:prstGeom>
+          <a:noFill/>
+        </p:spPr>
+        <p:txBody>
+          <a:bodyPr wrap="square" rtlCol="0">
+            <a:spAutoFit/>
+          </a:bodyPr>
+          <a:lstStyle/>
+          <a:p>
+            <a:r>
+              <a:rPr lang="en-US" sz="4000" b="1" dirty="0">
+                <a:solidFill>
+                  <a:schemeClr val="accent6">
+                    <a:lumMod val="75000"/>
+                  </a:schemeClr>
+                </a:solidFill>
+              </a:rPr>
+              <a:t>Data Source</a:t>
+            </a:r>
+            <a:endParaRPr lang="en-US" sz="2800" b="1" dirty="0">
+              <a:solidFill>
+                <a:schemeClr val="accent6">
+                  <a:lumMod val="75000"/>
+                </a:schemeClr>
+              </a:solidFill>
+            </a:endParaRPr>
+          </a:p>
+        </p:txBody>
+      </p:sp>
+      <p:sp>
+        <p:nvSpPr>
+          <p:cNvPr id="7" name="文本框 6"/>
+          <p:cNvSpPr txBox="1"/>
+          <p:nvPr/>
+        </p:nvSpPr>
+        <p:spPr>
+          <a:xfrm>
+            <a:off x="1164166" y="1603945"/>
+            <a:ext cx="9973525" cy="4154984"/>
+          </a:xfrm>
+          <a:prstGeom prst="rect">
+            <a:avLst/>
+          </a:prstGeom>
+          <a:noFill/>
+        </p:spPr>
+        <p:txBody>
+          <a:bodyPr wrap="square" rtlCol="0">
+            <a:spAutoFit/>
+          </a:bodyPr>
+          <a:lstStyle/>
+          <a:p>
+            <a:r>
+              <a:rPr lang="en-US" sz="2400" dirty="0">
+                <a:solidFill>
+                  <a:srgbClr val="333333"/>
+                </a:solidFill>
+              </a:rPr>
+              <a:t>Data was scraped from </a:t>
+            </a:r>
+            <a:r>
+              <a:rPr lang="en-US" sz="2400" dirty="0">
+                <a:solidFill>
+                  <a:srgbClr val="333333"/>
+                </a:solidFill>
+                <a:hlinkClick r:id="rId2"/>
+              </a:rPr>
+              <a:t>BeerAdvocate.com</a:t>
+            </a:r>
+            <a:r>
+              <a:rPr lang="en-US" sz="2400" dirty="0">
+                <a:solidFill>
+                  <a:srgbClr val="333333"/>
+                </a:solidFill>
+              </a:rPr>
+              <a:t>:</a:t>
+            </a:r>
+          </a:p>
+          <a:p>
+            <a:pPr marL="457200" indent="-457200">
+              <a:lnSpc>
+                <a:spcPct val="150000"/>
+              </a:lnSpc>
+              <a:buFont typeface="Wingdings" panose="05000000000000000000" pitchFamily="2" charset="2"/>
+              <a:buChar char="Ø"/>
+            </a:pPr>
+            <a:r>
+              <a:rPr lang="en-US" sz="3200" b="1" dirty="0">
+                <a:solidFill>
+                  <a:srgbClr val="333333"/>
+                </a:solidFill>
+              </a:rPr>
+              <a:t>104</a:t>
+            </a:r>
+            <a:r>
+              <a:rPr lang="en-US" sz="2400" dirty="0">
+                <a:solidFill>
+                  <a:srgbClr val="333333"/>
+                </a:solidFill>
+              </a:rPr>
+              <a:t> Beer Styles</a:t>
+            </a:r>
+          </a:p>
+          <a:p>
+            <a:pPr marL="457200" indent="-457200">
+              <a:lnSpc>
+                <a:spcPct val="150000"/>
+              </a:lnSpc>
+              <a:buFont typeface="Wingdings" panose="05000000000000000000" pitchFamily="2" charset="2"/>
+              <a:buChar char="Ø"/>
+            </a:pPr>
+            <a:r>
+              <a:rPr lang="en-US" sz="3200" b="1" dirty="0">
+                <a:solidFill>
+                  <a:srgbClr val="333333"/>
+                </a:solidFill>
+              </a:rPr>
+              <a:t>13K</a:t>
+            </a:r>
+            <a:r>
+              <a:rPr lang="en-US" sz="2400" dirty="0">
+                <a:solidFill>
+                  <a:srgbClr val="333333"/>
+                </a:solidFill>
+              </a:rPr>
+              <a:t> Breweries from around the world</a:t>
+            </a:r>
+          </a:p>
+          <a:p>
+            <a:pPr marL="457200" indent="-457200">
+              <a:lnSpc>
+                <a:spcPct val="150000"/>
+              </a:lnSpc>
+              <a:buFont typeface="Wingdings" panose="05000000000000000000" pitchFamily="2" charset="2"/>
+              <a:buChar char="Ø"/>
+            </a:pPr>
+            <a:r>
+              <a:rPr lang="en-US" sz="3200" b="1" dirty="0">
+                <a:solidFill>
+                  <a:srgbClr val="333333"/>
+                </a:solidFill>
+              </a:rPr>
+              <a:t>200K</a:t>
+            </a:r>
+            <a:r>
+              <a:rPr lang="en-US" sz="2400" dirty="0">
+                <a:solidFill>
+                  <a:srgbClr val="333333"/>
+                </a:solidFill>
+              </a:rPr>
+              <a:t> Beer Items</a:t>
+            </a:r>
+          </a:p>
+          <a:p>
+            <a:pPr marL="457200" indent="-457200">
+              <a:lnSpc>
+                <a:spcPct val="150000"/>
+              </a:lnSpc>
+              <a:buFont typeface="Wingdings" panose="05000000000000000000" pitchFamily="2" charset="2"/>
+              <a:buChar char="Ø"/>
+            </a:pPr>
+            <a:r>
+              <a:rPr lang="en-US" sz="3200" b="1" dirty="0">
+                <a:solidFill>
+                  <a:srgbClr val="333333"/>
+                </a:solidFill>
+              </a:rPr>
+              <a:t>7 Million+ </a:t>
+            </a:r>
+            <a:r>
+              <a:rPr lang="en-US" sz="2400" dirty="0">
+                <a:solidFill>
+                  <a:srgbClr val="333333"/>
+                </a:solidFill>
+              </a:rPr>
+              <a:t>Ratings from </a:t>
+            </a:r>
+            <a:r>
+              <a:rPr lang="en-US" sz="3200" b="1" dirty="0">
+                <a:solidFill>
+                  <a:srgbClr val="333333"/>
+                </a:solidFill>
+              </a:rPr>
+              <a:t>300K+</a:t>
+            </a:r>
+            <a:r>
+              <a:rPr lang="en-US" sz="2400" dirty="0">
+                <a:solidFill>
+                  <a:srgbClr val="333333"/>
+                </a:solidFill>
+              </a:rPr>
+              <a:t> Users</a:t>
+            </a:r>
+          </a:p>
+          <a:p>
+            <a:pPr marL="457200" indent="-457200">
+              <a:lnSpc>
+                <a:spcPct val="150000"/>
+              </a:lnSpc>
+              <a:buFont typeface="Wingdings" panose="05000000000000000000" pitchFamily="2" charset="2"/>
+              <a:buChar char="Ø"/>
+            </a:pPr>
+            <a:r>
+              <a:rPr lang="en-US" sz="3200" b="1" dirty="0">
+                <a:solidFill>
+                  <a:srgbClr val="333333"/>
+                </a:solidFill>
+              </a:rPr>
+              <a:t>3 GB </a:t>
+            </a:r>
+            <a:r>
+              <a:rPr lang="en-US" sz="2400" dirty="0">
+                <a:solidFill>
+                  <a:srgbClr val="333333"/>
+                </a:solidFill>
+              </a:rPr>
+              <a:t>Total Data Size</a:t>
+            </a:r>
+          </a:p>
+        </p:txBody>
+      </p:sp>
+    </p:spTree>
+    <p:extLst>
+      <p:ext uri="{BB962C8B-B14F-4D97-AF65-F5344CB8AC3E}">
+        <p14:creationId xmlns:p14="http://schemas.microsoft.com/office/powerpoint/2010/main" val="715685015"/>
+      </p:ext>
+    </p:extLst>
+  </p:cSld>
+  <p:clrMapOvr>
+    <a:masterClrMapping/>
+  </p:clrMapOvr>
+</p:sld>
+</file>
+
+<file path=ppt/slides/slide8.xml><?xml version="1.0" encoding="utf-8"?>
+<p:sld xmlns:a="http://schemas.openxmlformats.org/drawingml/2006/main" xmlns:r="http://schemas.openxmlformats.org/officeDocument/2006/relationships" xmlns:p="http://schemas.openxmlformats.org/presentationml/2006/main">
+  <p:cSld>
+    <p:spTree>
+      <p:nvGrpSpPr>
+        <p:cNvPr id="1" name=""/>
+        <p:cNvGrpSpPr/>
+        <p:nvPr/>
+      </p:nvGrpSpPr>
+      <p:grpSpPr>
+        <a:xfrm>
+          <a:off x="0" y="0"/>
+          <a:ext cx="0" cy="0"/>
+          <a:chOff x="0" y="0"/>
+          <a:chExt cx="0" cy="0"/>
+        </a:xfrm>
+      </p:grpSpPr>
+      <p:pic>
+        <p:nvPicPr>
+          <p:cNvPr id="6" name="图片 5"/>
+          <p:cNvPicPr>
+            <a:picLocks noChangeAspect="1"/>
+          </p:cNvPicPr>
+          <p:nvPr/>
+        </p:nvPicPr>
+        <p:blipFill>
+          <a:blip r:embed="rId2">
+            <a:extLst>
+              <a:ext uri="{28A0092B-C50C-407E-A947-70E740481C1C}">
+                <a14:useLocalDpi xmlns:a14="http://schemas.microsoft.com/office/drawing/2010/main" val="0"/>
+              </a:ext>
+            </a:extLst>
+          </a:blip>
+          <a:stretch>
+            <a:fillRect/>
+          </a:stretch>
+        </p:blipFill>
+        <p:spPr>
+          <a:xfrm>
+            <a:off x="1503447" y="997142"/>
+            <a:ext cx="9979020" cy="5748432"/>
+          </a:xfrm>
+          <a:prstGeom prst="rect">
+            <a:avLst/>
+          </a:prstGeom>
+        </p:spPr>
+      </p:pic>
+      <p:sp>
+        <p:nvSpPr>
+          <p:cNvPr id="7" name="文本框 6"/>
+          <p:cNvSpPr txBox="1"/>
+          <p:nvPr/>
+        </p:nvSpPr>
+        <p:spPr>
+          <a:xfrm>
+            <a:off x="534581" y="189668"/>
+            <a:ext cx="10872937" cy="707886"/>
+          </a:xfrm>
+          <a:prstGeom prst="rect">
+            <a:avLst/>
+          </a:prstGeom>
+          <a:noFill/>
+        </p:spPr>
+        <p:txBody>
+          <a:bodyPr wrap="square" rtlCol="0">
+            <a:spAutoFit/>
+          </a:bodyPr>
+          <a:lstStyle/>
+          <a:p>
+            <a:r>
+              <a:rPr lang="en-US" sz="4000" b="1" dirty="0">
+                <a:solidFill>
+                  <a:schemeClr val="accent6">
+                    <a:lumMod val="75000"/>
+                  </a:schemeClr>
+                </a:solidFill>
+              </a:rPr>
+              <a:t>For Beer Styles… Stronger Ale is always better!</a:t>
+            </a:r>
+            <a:endParaRPr lang="en-US" sz="2800" b="1" dirty="0">
+              <a:solidFill>
+                <a:schemeClr val="accent6">
+                  <a:lumMod val="75000"/>
+                </a:schemeClr>
+              </a:solidFill>
+            </a:endParaRPr>
+          </a:p>
+        </p:txBody>
+      </p:sp>
+    </p:spTree>
+    <p:extLst>
+      <p:ext uri="{BB962C8B-B14F-4D97-AF65-F5344CB8AC3E}">
+        <p14:creationId xmlns:p14="http://schemas.microsoft.com/office/powerpoint/2010/main" val="2665437057"/>
+      </p:ext>
+    </p:extLst>
+  </p:cSld>
+  <p:clrMapOvr>
+    <a:masterClrMapping/>
+  </p:clrMapOvr>
+</p:sld>
+</file>
+
+<file path=ppt/slides/slide9.xml><?xml version="1.0" encoding="utf-8"?>
+<p:sld xmlns:a="http://schemas.openxmlformats.org/drawingml/2006/main" xmlns:r="http://schemas.openxmlformats.org/officeDocument/2006/relationships" xmlns:p="http://schemas.openxmlformats.org/presentationml/2006/main">
+  <p:cSld>
+    <p:spTree>
+      <p:nvGrpSpPr>
+        <p:cNvPr id="1" name=""/>
+        <p:cNvGrpSpPr/>
+        <p:nvPr/>
+      </p:nvGrpSpPr>
+      <p:grpSpPr>
+        <a:xfrm>
+          <a:off x="0" y="0"/>
+          <a:ext cx="0" cy="0"/>
+          <a:chOff x="0" y="0"/>
+          <a:chExt cx="0" cy="0"/>
+        </a:xfrm>
+      </p:grpSpPr>
+      <p:pic>
+        <p:nvPicPr>
+          <p:cNvPr id="5" name="图片 4"/>
+          <p:cNvPicPr>
+            <a:picLocks noChangeAspect="1"/>
+          </p:cNvPicPr>
+          <p:nvPr/>
+        </p:nvPicPr>
+        <p:blipFill rotWithShape="1">
+          <a:blip r:embed="rId3">
+            <a:extLst>
+              <a:ext uri="{28A0092B-C50C-407E-A947-70E740481C1C}">
+                <a14:useLocalDpi xmlns:a14="http://schemas.microsoft.com/office/drawing/2010/main" val="0"/>
+              </a:ext>
+            </a:extLst>
+          </a:blip>
+          <a:srcRect r="2155" b="31973"/>
+          <a:stretch/>
+        </p:blipFill>
+        <p:spPr>
+          <a:xfrm>
+            <a:off x="1039318" y="3114891"/>
+            <a:ext cx="8074701" cy="1394919"/>
+          </a:xfrm>
+          <a:prstGeom prst="rect">
+            <a:avLst/>
+          </a:prstGeom>
+          <a:effectLst>
+            <a:outerShdw blurRad="50800" dist="38100" dir="2700000" algn="tl" rotWithShape="0">
+              <a:prstClr val="black">
+                <a:alpha val="40000"/>
+              </a:prstClr>
+            </a:outerShdw>
+          </a:effectLst>
+        </p:spPr>
+      </p:pic>
+      <p:sp>
+        <p:nvSpPr>
+          <p:cNvPr id="8" name="矩形 7"/>
+          <p:cNvSpPr/>
+          <p:nvPr/>
+        </p:nvSpPr>
+        <p:spPr>
+          <a:xfrm>
+            <a:off x="994348" y="1060048"/>
+            <a:ext cx="10697980" cy="1938992"/>
+          </a:xfrm>
+          <a:prstGeom prst="rect">
+            <a:avLst/>
+          </a:prstGeom>
+        </p:spPr>
+        <p:txBody>
+          <a:bodyPr wrap="square">
+            <a:spAutoFit/>
+          </a:bodyPr>
+          <a:lstStyle/>
+          <a:p>
+            <a:pPr marL="285750" indent="-285750">
+              <a:lnSpc>
+                <a:spcPct val="150000"/>
+              </a:lnSpc>
+              <a:buFont typeface="Arial" panose="020B0604020202020204" pitchFamily="34" charset="0"/>
+              <a:buChar char="•"/>
+            </a:pPr>
+            <a:r>
+              <a:rPr lang="en-US" sz="2000" b="1" dirty="0">
+                <a:solidFill>
+                  <a:srgbClr val="333333"/>
+                </a:solidFill>
+              </a:rPr>
+              <a:t>SVD matrix factorization </a:t>
+            </a:r>
+            <a:r>
+              <a:rPr lang="en-US" sz="2000" dirty="0">
+                <a:solidFill>
+                  <a:srgbClr val="333333"/>
+                </a:solidFill>
+              </a:rPr>
+              <a:t>implemented </a:t>
+            </a:r>
+            <a:r>
+              <a:rPr lang="en-US" altLang="zh-CN" sz="2000" dirty="0">
+                <a:solidFill>
+                  <a:srgbClr val="333333"/>
+                </a:solidFill>
+              </a:rPr>
+              <a:t>on</a:t>
+            </a:r>
+            <a:r>
+              <a:rPr lang="en-US" sz="2000" dirty="0">
+                <a:solidFill>
+                  <a:srgbClr val="333333"/>
+                </a:solidFill>
+              </a:rPr>
+              <a:t> </a:t>
+            </a:r>
+            <a:r>
+              <a:rPr lang="en-US" sz="2000" b="1" dirty="0">
+                <a:solidFill>
+                  <a:srgbClr val="333333"/>
+                </a:solidFill>
+              </a:rPr>
+              <a:t>2.2 Million</a:t>
+            </a:r>
+            <a:r>
+              <a:rPr lang="en-US" sz="2000" dirty="0">
+                <a:solidFill>
+                  <a:srgbClr val="333333"/>
+                </a:solidFill>
+              </a:rPr>
+              <a:t> ratings from </a:t>
+            </a:r>
+            <a:r>
+              <a:rPr lang="en-US" sz="2000" b="1" dirty="0">
+                <a:solidFill>
+                  <a:srgbClr val="333333"/>
+                </a:solidFill>
+              </a:rPr>
+              <a:t>9000 Users</a:t>
+            </a:r>
+            <a:r>
+              <a:rPr lang="en-US" sz="2000" dirty="0">
+                <a:solidFill>
+                  <a:srgbClr val="333333"/>
+                </a:solidFill>
+              </a:rPr>
+              <a:t> on </a:t>
+            </a:r>
+            <a:r>
+              <a:rPr lang="en-US" sz="2000" b="1" dirty="0">
+                <a:solidFill>
+                  <a:srgbClr val="333333"/>
+                </a:solidFill>
+              </a:rPr>
+              <a:t>1300 Beers*</a:t>
+            </a:r>
+          </a:p>
+          <a:p>
+            <a:pPr marL="285750" indent="-285750">
+              <a:lnSpc>
+                <a:spcPct val="150000"/>
+              </a:lnSpc>
+              <a:buFont typeface="Arial" panose="020B0604020202020204" pitchFamily="34" charset="0"/>
+              <a:buChar char="•"/>
+            </a:pPr>
+            <a:r>
+              <a:rPr lang="en-US" sz="2000" b="1" dirty="0">
+                <a:solidFill>
+                  <a:srgbClr val="333333"/>
+                </a:solidFill>
+              </a:rPr>
+              <a:t>Cross validation result:  </a:t>
+            </a:r>
+          </a:p>
+          <a:p>
+            <a:pPr marL="800100" lvl="1" indent="-342900">
+              <a:lnSpc>
+                <a:spcPct val="150000"/>
+              </a:lnSpc>
+              <a:buFont typeface="Wingdings" panose="05000000000000000000" pitchFamily="2" charset="2"/>
+              <a:buChar char="§"/>
+            </a:pPr>
+            <a:r>
+              <a:rPr lang="en-US" sz="2000" dirty="0">
+                <a:solidFill>
+                  <a:srgbClr val="333333"/>
+                </a:solidFill>
+              </a:rPr>
+              <a:t>RMSE (Root Mean Square Error): </a:t>
+            </a:r>
+            <a:r>
+              <a:rPr lang="en-US" sz="2000" b="1" dirty="0">
+                <a:solidFill>
+                  <a:srgbClr val="333333"/>
+                </a:solidFill>
+              </a:rPr>
+              <a:t>0.37/5.00</a:t>
+            </a:r>
+          </a:p>
+          <a:p>
+            <a:pPr marL="800100" lvl="1" indent="-342900">
+              <a:lnSpc>
+                <a:spcPct val="150000"/>
+              </a:lnSpc>
+              <a:buFont typeface="Wingdings" panose="05000000000000000000" pitchFamily="2" charset="2"/>
+              <a:buChar char="§"/>
+            </a:pPr>
+            <a:r>
+              <a:rPr lang="en-US" sz="2000" dirty="0">
+                <a:solidFill>
+                  <a:srgbClr val="333333"/>
+                </a:solidFill>
+              </a:rPr>
+              <a:t>MAE (Mean Absolute Error): </a:t>
+            </a:r>
+            <a:r>
+              <a:rPr lang="en-US" sz="2000" b="1" dirty="0">
+                <a:solidFill>
+                  <a:srgbClr val="333333"/>
+                </a:solidFill>
+              </a:rPr>
+              <a:t>0.27/5.00</a:t>
+            </a:r>
+          </a:p>
+        </p:txBody>
+      </p:sp>
+      <p:sp>
+        <p:nvSpPr>
+          <p:cNvPr id="10" name="矩形 9"/>
+          <p:cNvSpPr/>
+          <p:nvPr/>
+        </p:nvSpPr>
+        <p:spPr>
+          <a:xfrm>
+            <a:off x="994348" y="4811606"/>
+            <a:ext cx="10697980" cy="1323439"/>
+          </a:xfrm>
+          <a:prstGeom prst="rect">
+            <a:avLst/>
+          </a:prstGeom>
+        </p:spPr>
+        <p:txBody>
+          <a:bodyPr wrap="square">
+            <a:spAutoFit/>
+          </a:bodyPr>
+          <a:lstStyle/>
+          <a:p>
+            <a:r>
+              <a:rPr lang="en-US" sz="2000" b="1" dirty="0">
+                <a:solidFill>
+                  <a:srgbClr val="333333"/>
+                </a:solidFill>
+              </a:rPr>
+              <a:t>Performance will be further improved:</a:t>
+            </a:r>
+          </a:p>
+          <a:p>
+            <a:pPr marL="285750" indent="-285750">
+              <a:buFont typeface="Arial" panose="020B0604020202020204" pitchFamily="34" charset="0"/>
+              <a:buChar char="•"/>
+            </a:pPr>
+            <a:r>
+              <a:rPr lang="en-US" sz="2000" dirty="0">
+                <a:solidFill>
+                  <a:srgbClr val="333333"/>
+                </a:solidFill>
+              </a:rPr>
+              <a:t>Algorithm parameter tuning</a:t>
+            </a:r>
+          </a:p>
+          <a:p>
+            <a:pPr marL="285750" indent="-285750">
+              <a:buFont typeface="Arial" panose="020B0604020202020204" pitchFamily="34" charset="0"/>
+              <a:buChar char="•"/>
+            </a:pPr>
+            <a:r>
+              <a:rPr lang="en-US" sz="2000" dirty="0">
+                <a:solidFill>
+                  <a:srgbClr val="333333"/>
+                </a:solidFill>
+              </a:rPr>
+              <a:t>Leverage text features extracted from textual comments</a:t>
+            </a:r>
+          </a:p>
+          <a:p>
+            <a:pPr marL="285750" indent="-285750">
+              <a:buFont typeface="Arial" panose="020B0604020202020204" pitchFamily="34" charset="0"/>
+              <a:buChar char="•"/>
+            </a:pPr>
+            <a:r>
+              <a:rPr lang="en-US" sz="2000" dirty="0">
+                <a:solidFill>
+                  <a:srgbClr val="333333"/>
+                </a:solidFill>
+              </a:rPr>
+              <a:t>Incorporate popularity based/content based algorithms</a:t>
+            </a:r>
+            <a:endParaRPr lang="en-US" sz="2000" dirty="0"/>
+          </a:p>
+        </p:txBody>
+      </p:sp>
+      <p:sp>
+        <p:nvSpPr>
+          <p:cNvPr id="11" name="文本框 10"/>
+          <p:cNvSpPr txBox="1"/>
+          <p:nvPr/>
+        </p:nvSpPr>
+        <p:spPr>
+          <a:xfrm>
+            <a:off x="534581" y="189668"/>
+            <a:ext cx="10872937" cy="707886"/>
+          </a:xfrm>
+          <a:prstGeom prst="rect">
+            <a:avLst/>
+          </a:prstGeom>
+          <a:noFill/>
+        </p:spPr>
+        <p:txBody>
+          <a:bodyPr wrap="square" rtlCol="0">
+            <a:spAutoFit/>
+          </a:bodyPr>
+          <a:lstStyle/>
+          <a:p>
+            <a:r>
+              <a:rPr lang="en-US" altLang="zh-CN" sz="4000" b="1" dirty="0">
+                <a:solidFill>
+                  <a:schemeClr val="accent6">
+                    <a:lumMod val="75000"/>
+                  </a:schemeClr>
+                </a:solidFill>
+              </a:rPr>
+              <a:t>Algorithm Test Run: Mean error of 0.3/5.0</a:t>
+            </a:r>
+            <a:endParaRPr lang="en-US" sz="2800" b="1" dirty="0">
+              <a:solidFill>
+                <a:schemeClr val="accent6">
+                  <a:lumMod val="75000"/>
+                </a:schemeClr>
+              </a:solidFill>
+            </a:endParaRPr>
+          </a:p>
+        </p:txBody>
+      </p:sp>
+      <p:sp>
+        <p:nvSpPr>
+          <p:cNvPr id="12" name="矩形 11"/>
+          <p:cNvSpPr/>
+          <p:nvPr/>
+        </p:nvSpPr>
+        <p:spPr>
+          <a:xfrm>
+            <a:off x="124917" y="6478621"/>
+            <a:ext cx="10293246" cy="307777"/>
+          </a:xfrm>
+          <a:prstGeom prst="rect">
+            <a:avLst/>
+          </a:prstGeom>
+        </p:spPr>
+        <p:txBody>
+          <a:bodyPr wrap="square">
+            <a:spAutoFit/>
+          </a:bodyPr>
+          <a:lstStyle/>
+          <a:p>
+            <a:r>
+              <a:rPr lang="en-US" sz="1400" dirty="0">
+                <a:solidFill>
+                  <a:srgbClr val="333333"/>
+                </a:solidFill>
+                <a:latin typeface="Helvetica Neue"/>
+              </a:rPr>
+              <a:t>* Subset of the full dataset, which includes ratings from users who submitted &gt;100 ratings on beers with &gt;1000 ratings</a:t>
+            </a:r>
+          </a:p>
+        </p:txBody>
+      </p:sp>
+      <p:sp>
+        <p:nvSpPr>
+          <p:cNvPr id="13" name="矩形 12"/>
+          <p:cNvSpPr/>
+          <p:nvPr/>
+        </p:nvSpPr>
+        <p:spPr>
+          <a:xfrm>
+            <a:off x="7180288" y="4046953"/>
+            <a:ext cx="884420" cy="462857"/>
+          </a:xfrm>
+          <a:prstGeom prst="rect">
+            <a:avLst/>
+          </a:prstGeom>
+          <a:noFill/>
+          <a:ln w="28575">
+            <a:solidFill>
+              <a:srgbClr val="FF0000"/>
+            </a:solidFill>
+            <a:prstDash val="solid"/>
+          </a:ln>
+        </p:spPr>
+        <p:style>
+          <a:lnRef idx="2">
+            <a:schemeClr val="accent1">
+              <a:shade val="50000"/>
+            </a:schemeClr>
+          </a:lnRef>
+          <a:fillRef idx="1">
+            <a:schemeClr val="accent1"/>
+          </a:fillRef>
+          <a:effectRef idx="0">
+            <a:schemeClr val="accent1"/>
+          </a:effectRef>
+          <a:fontRef idx="minor">
+            <a:schemeClr val="lt1"/>
+          </a:fontRef>
+        </p:style>
+        <p:txBody>
+          <a:bodyPr rtlCol="0" anchor="ctr"/>
+          <a:lstStyle/>
+          <a:p>
+            <a:pPr algn="ctr"/>
+            <a:endParaRPr lang="en-US"/>
+          </a:p>
+        </p:txBody>
+      </p:sp>
+    </p:spTree>
+    <p:extLst>
+      <p:ext uri="{BB962C8B-B14F-4D97-AF65-F5344CB8AC3E}">
+        <p14:creationId xmlns:p14="http://schemas.microsoft.com/office/powerpoint/2010/main" val="333241922"/>
       </p:ext>
     </p:extLst>
   </p:cSld>
@@ -4948,4 +7890,299 @@
     </a:ext>
   </a:extLst>
 </a:theme>
+</file>
+
+<file path=ppt/theme/theme2.xml><?xml version="1.0" encoding="utf-8"?>
+<a:theme xmlns:a="http://schemas.openxmlformats.org/drawingml/2006/main" name="Office 主题​​">
+  <a:themeElements>
+    <a:clrScheme name="Office">
+      <a:dk1>
+        <a:sysClr val="windowText" lastClr="000000"/>
+      </a:dk1>
+      <a:lt1>
+        <a:sysClr val="window" lastClr="FFFFFF"/>
+      </a:lt1>
+      <a:dk2>
+        <a:srgbClr val="44546A"/>
+      </a:dk2>
+      <a:lt2>
+        <a:srgbClr val="E7E6E6"/>
+      </a:lt2>
+      <a:accent1>
+        <a:srgbClr val="4472C4"/>
+      </a:accent1>
+      <a:accent2>
+        <a:srgbClr val="ED7D31"/>
+      </a:accent2>
+      <a:accent3>
+        <a:srgbClr val="A5A5A5"/>
+      </a:accent3>
+      <a:accent4>
+        <a:srgbClr val="FFC000"/>
+      </a:accent4>
+      <a:accent5>
+        <a:srgbClr val="5B9BD5"/>
+      </a:accent5>
+      <a:accent6>
+        <a:srgbClr val="70AD47"/>
+      </a:accent6>
+      <a:hlink>
+        <a:srgbClr val="0563C1"/>
+      </a:hlink>
+      <a:folHlink>
+        <a:srgbClr val="954F72"/>
+      </a:folHlink>
+    </a:clrScheme>
+    <a:fontScheme name="Office">
+      <a:majorFont>
+        <a:latin typeface="Calibri Light" panose="020F0302020204030204"/>
+        <a:ea typeface=""/>
+        <a:cs typeface=""/>
+        <a:font script="Jpan" typeface="游ゴシック Light"/>
+        <a:font script="Hang" typeface="맑은 고딕"/>
+        <a:font script="Hans" typeface="等线 Light"/>
+        <a:font script="Hant" typeface="新細明體"/>
+        <a:font script="Arab" typeface="Times New Roman"/>
+        <a:font script="Hebr" typeface="Times New Roman"/>
+        <a:font script="Thai" typeface="Angsana New"/>
+        <a:font script="Ethi" typeface="Nyala"/>
+        <a:font script="Beng" typeface="Vrinda"/>
+        <a:font script="Gujr" typeface="Shruti"/>
+        <a:font script="Khmr" typeface="MoolBoran"/>
+        <a:font script="Knda" typeface="Tunga"/>
+        <a:font script="Guru" typeface="Raavi"/>
+        <a:font script="Cans" typeface="Euphemia"/>
+        <a:font script="Cher" typeface="Plantagenet Cherokee"/>
+        <a:font script="Yiii" typeface="Microsoft Yi Baiti"/>
+        <a:font script="Tibt" typeface="Microsoft Himalaya"/>
+        <a:font script="Thaa" typeface="MV Boli"/>
+        <a:font script="Deva" typeface="Mangal"/>
+        <a:font script="Telu" typeface="Gautami"/>
+        <a:font script="Taml" typeface="Latha"/>
+        <a:font script="Syrc" typeface="Estrangelo Edessa"/>
+        <a:font script="Orya" typeface="Kalinga"/>
+        <a:font script="Mlym" typeface="Kartika"/>
+        <a:font script="Laoo" typeface="DokChampa"/>
+        <a:font script="Sinh" typeface="Iskoola Pota"/>
+        <a:font script="Mong" typeface="Mongolian Baiti"/>
+        <a:font script="Viet" typeface="Times New Roman"/>
+        <a:font script="Uigh" typeface="Microsoft Uighur"/>
+        <a:font script="Geor" typeface="Sylfaen"/>
+        <a:font script="Armn" typeface="Arial"/>
+        <a:font script="Bugi" typeface="Leelawadee UI"/>
+        <a:font script="Bopo" typeface="Microsoft JhengHei"/>
+        <a:font script="Java" typeface="Javanese Text"/>
+        <a:font script="Lisu" typeface="Segoe UI"/>
+        <a:font script="Mymr" typeface="Myanmar Text"/>
+        <a:font script="Nkoo" typeface="Ebrima"/>
+        <a:font script="Olck" typeface="Nirmala UI"/>
+        <a:font script="Osma" typeface="Ebrima"/>
+        <a:font script="Phag" typeface="Phagspa"/>
+        <a:font script="Syrn" typeface="Estrangelo Edessa"/>
+        <a:font script="Syrj" typeface="Estrangelo Edessa"/>
+        <a:font script="Syre" typeface="Estrangelo Edessa"/>
+        <a:font script="Sora" typeface="Nirmala UI"/>
+        <a:font script="Tale" typeface="Microsoft Tai Le"/>
+        <a:font script="Talu" typeface="Microsoft New Tai Lue"/>
+        <a:font script="Tfng" typeface="Ebrima"/>
+      </a:majorFont>
+      <a:minorFont>
+        <a:latin typeface="Calibri" panose="020F0502020204030204"/>
+        <a:ea typeface=""/>
+        <a:cs typeface=""/>
+        <a:font script="Jpan" typeface="游ゴシック"/>
+        <a:font script="Hang" typeface="맑은 고딕"/>
+        <a:font script="Hans" typeface="等线"/>
+        <a:font script="Hant" typeface="新細明體"/>
+        <a:font script="Arab" typeface="Arial"/>
+        <a:font script="Hebr" typeface="Arial"/>
+        <a:font script="Thai" typeface="Cordia New"/>
+        <a:font script="Ethi" typeface="Nyala"/>
+        <a:font script="Beng" typeface="Vrinda"/>
+        <a:font script="Gujr" typeface="Shruti"/>
+        <a:font script="Khmr" typeface="DaunPenh"/>
+        <a:font script="Knda" typeface="Tunga"/>
+        <a:font script="Guru" typeface="Raavi"/>
+        <a:font script="Cans" typeface="Euphemia"/>
+        <a:font script="Cher" typeface="Plantagenet Cherokee"/>
+        <a:font script="Yiii" typeface="Microsoft Yi Baiti"/>
+        <a:font script="Tibt" typeface="Microsoft Himalaya"/>
+        <a:font script="Thaa" typeface="MV Boli"/>
+        <a:font script="Deva" typeface="Mangal"/>
+        <a:font script="Telu" typeface="Gautami"/>
+        <a:font script="Taml" typeface="Latha"/>
+        <a:font script="Syrc" typeface="Estrangelo Edessa"/>
+        <a:font script="Orya" typeface="Kalinga"/>
+        <a:font script="Mlym" typeface="Kartika"/>
+        <a:font script="Laoo" typeface="DokChampa"/>
+        <a:font script="Sinh" typeface="Iskoola Pota"/>
+        <a:font script="Mong" typeface="Mongolian Baiti"/>
+        <a:font script="Viet" typeface="Arial"/>
+        <a:font script="Uigh" typeface="Microsoft Uighur"/>
+        <a:font script="Geor" typeface="Sylfaen"/>
+        <a:font script="Armn" typeface="Arial"/>
+        <a:font script="Bugi" typeface="Leelawadee UI"/>
+        <a:font script="Bopo" typeface="Microsoft JhengHei"/>
+        <a:font script="Java" typeface="Javanese Text"/>
+        <a:font script="Lisu" typeface="Segoe UI"/>
+        <a:font script="Mymr" typeface="Myanmar Text"/>
+        <a:font script="Nkoo" typeface="Ebrima"/>
+        <a:font script="Olck" typeface="Nirmala UI"/>
+        <a:font script="Osma" typeface="Ebrima"/>
+        <a:font script="Phag" typeface="Phagspa"/>
+        <a:font script="Syrn" typeface="Estrangelo Edessa"/>
+        <a:font script="Syrj" typeface="Estrangelo Edessa"/>
+        <a:font script="Syre" typeface="Estrangelo Edessa"/>
+        <a:font script="Sora" typeface="Nirmala UI"/>
+        <a:font script="Tale" typeface="Microsoft Tai Le"/>
+        <a:font script="Talu" typeface="Microsoft New Tai Lue"/>
+        <a:font script="Tfng" typeface="Ebrima"/>
+      </a:minorFont>
+    </a:fontScheme>
+    <a:fmtScheme name="Office">
+      <a:fillStyleLst>
+        <a:solidFill>
+          <a:schemeClr val="phClr"/>
+        </a:solidFill>
+        <a:gradFill rotWithShape="1">
+          <a:gsLst>
+            <a:gs pos="0">
+              <a:schemeClr val="phClr">
+                <a:lumMod val="110000"/>
+                <a:satMod val="105000"/>
+                <a:tint val="67000"/>
+              </a:schemeClr>
+            </a:gs>
+            <a:gs pos="50000">
+              <a:schemeClr val="phClr">
+                <a:lumMod val="105000"/>
+                <a:satMod val="103000"/>
+                <a:tint val="73000"/>
+              </a:schemeClr>
+            </a:gs>
+            <a:gs pos="100000">
+              <a:schemeClr val="phClr">
+                <a:lumMod val="105000"/>
+                <a:satMod val="109000"/>
+                <a:tint val="81000"/>
+              </a:schemeClr>
+            </a:gs>
+          </a:gsLst>
+          <a:lin ang="5400000" scaled="0"/>
+        </a:gradFill>
+        <a:gradFill rotWithShape="1">
+          <a:gsLst>
+            <a:gs pos="0">
+              <a:schemeClr val="phClr">
+                <a:satMod val="103000"/>
+                <a:lumMod val="102000"/>
+                <a:tint val="94000"/>
+              </a:schemeClr>
+            </a:gs>
+            <a:gs pos="50000">
+              <a:schemeClr val="phClr">
+                <a:satMod val="110000"/>
+                <a:lumMod val="100000"/>
+                <a:shade val="100000"/>
+              </a:schemeClr>
+            </a:gs>
+            <a:gs pos="100000">
+              <a:schemeClr val="phClr">
+                <a:lumMod val="99000"/>
+                <a:satMod val="120000"/>
+                <a:shade val="78000"/>
+              </a:schemeClr>
+            </a:gs>
+          </a:gsLst>
+          <a:lin ang="5400000" scaled="0"/>
+        </a:gradFill>
+      </a:fillStyleLst>
+      <a:lnStyleLst>
+        <a:ln w="6350" cap="flat" cmpd="sng" algn="ctr">
+          <a:solidFill>
+            <a:schemeClr val="phClr"/>
+          </a:solidFill>
+          <a:prstDash val="solid"/>
+          <a:miter lim="800000"/>
+        </a:ln>
+        <a:ln w="12700" cap="flat" cmpd="sng" algn="ctr">
+          <a:solidFill>
+            <a:schemeClr val="phClr"/>
+          </a:solidFill>
+          <a:prstDash val="solid"/>
+          <a:miter lim="800000"/>
+        </a:ln>
+        <a:ln w="19050" cap="flat" cmpd="sng" algn="ctr">
+          <a:solidFill>
+            <a:schemeClr val="phClr"/>
+          </a:solidFill>
+          <a:prstDash val="solid"/>
+          <a:miter lim="800000"/>
+        </a:ln>
+      </a:lnStyleLst>
+      <a:effectStyleLst>
+        <a:effectStyle>
+          <a:effectLst/>
+        </a:effectStyle>
+        <a:effectStyle>
+          <a:effectLst/>
+        </a:effectStyle>
+        <a:effectStyle>
+          <a:effectLst>
+            <a:outerShdw blurRad="57150" dist="19050" dir="5400000" algn="ctr" rotWithShape="0">
+              <a:srgbClr val="000000">
+                <a:alpha val="63000"/>
+              </a:srgbClr>
+            </a:outerShdw>
+          </a:effectLst>
+        </a:effectStyle>
+      </a:effectStyleLst>
+      <a:bgFillStyleLst>
+        <a:solidFill>
+          <a:schemeClr val="phClr"/>
+        </a:solidFill>
+        <a:solidFill>
+          <a:schemeClr val="phClr">
+            <a:tint val="95000"/>
+            <a:satMod val="170000"/>
+          </a:schemeClr>
+        </a:solidFill>
+        <a:gradFill rotWithShape="1">
+          <a:gsLst>
+            <a:gs pos="0">
+              <a:schemeClr val="phClr">
+                <a:tint val="93000"/>
+                <a:satMod val="150000"/>
+                <a:shade val="98000"/>
+                <a:lumMod val="102000"/>
+              </a:schemeClr>
+            </a:gs>
+            <a:gs pos="50000">
+              <a:schemeClr val="phClr">
+                <a:tint val="98000"/>
+                <a:satMod val="130000"/>
+                <a:shade val="90000"/>
+                <a:lumMod val="103000"/>
+              </a:schemeClr>
+            </a:gs>
+            <a:gs pos="100000">
+              <a:schemeClr val="phClr">
+                <a:shade val="63000"/>
+                <a:satMod val="120000"/>
+              </a:schemeClr>
+            </a:gs>
+          </a:gsLst>
+          <a:lin ang="5400000" scaled="0"/>
+        </a:gradFill>
+      </a:bgFillStyleLst>
+    </a:fmtScheme>
+  </a:themeElements>
+  <a:objectDefaults/>
+  <a:extraClrSchemeLst/>
+  <a:extLst>
+    <a:ext uri="{05A4C25C-085E-4340-85A3-A5531E510DB2}">
+      <thm15:themeFamily xmlns:thm15="http://schemas.microsoft.com/office/thememl/2012/main" name="Office Theme" id="{62F939B6-93AF-4DB8-9C6B-D6C7DFDC589F}" vid="{4A3C46E8-61CC-4603-A589-7422A47A8E4A}"/>
+    </a:ext>
+  </a:extLst>
+</a:theme>
 </file>